--- a/howtouse.pptx
+++ b/howtouse.pptx
@@ -243,7 +243,7 @@
           <a:p>
             <a:fld id="{095B6DE2-6C77-4A6B-8C24-B2A80D9E8746}" type="datetimeFigureOut">
               <a:rPr lang="ko-KR" altLang="en-US" smtClean="0"/>
-              <a:t>2020-11-16</a:t>
+              <a:t>2020-11-17</a:t>
             </a:fld>
             <a:endParaRPr lang="ko-KR" altLang="en-US"/>
           </a:p>
@@ -413,7 +413,7 @@
           <a:p>
             <a:fld id="{095B6DE2-6C77-4A6B-8C24-B2A80D9E8746}" type="datetimeFigureOut">
               <a:rPr lang="ko-KR" altLang="en-US" smtClean="0"/>
-              <a:t>2020-11-16</a:t>
+              <a:t>2020-11-17</a:t>
             </a:fld>
             <a:endParaRPr lang="ko-KR" altLang="en-US"/>
           </a:p>
@@ -593,7 +593,7 @@
           <a:p>
             <a:fld id="{095B6DE2-6C77-4A6B-8C24-B2A80D9E8746}" type="datetimeFigureOut">
               <a:rPr lang="ko-KR" altLang="en-US" smtClean="0"/>
-              <a:t>2020-11-16</a:t>
+              <a:t>2020-11-17</a:t>
             </a:fld>
             <a:endParaRPr lang="ko-KR" altLang="en-US"/>
           </a:p>
@@ -763,7 +763,7 @@
           <a:p>
             <a:fld id="{095B6DE2-6C77-4A6B-8C24-B2A80D9E8746}" type="datetimeFigureOut">
               <a:rPr lang="ko-KR" altLang="en-US" smtClean="0"/>
-              <a:t>2020-11-16</a:t>
+              <a:t>2020-11-17</a:t>
             </a:fld>
             <a:endParaRPr lang="ko-KR" altLang="en-US"/>
           </a:p>
@@ -1007,7 +1007,7 @@
           <a:p>
             <a:fld id="{095B6DE2-6C77-4A6B-8C24-B2A80D9E8746}" type="datetimeFigureOut">
               <a:rPr lang="ko-KR" altLang="en-US" smtClean="0"/>
-              <a:t>2020-11-16</a:t>
+              <a:t>2020-11-17</a:t>
             </a:fld>
             <a:endParaRPr lang="ko-KR" altLang="en-US"/>
           </a:p>
@@ -1239,7 +1239,7 @@
           <a:p>
             <a:fld id="{095B6DE2-6C77-4A6B-8C24-B2A80D9E8746}" type="datetimeFigureOut">
               <a:rPr lang="ko-KR" altLang="en-US" smtClean="0"/>
-              <a:t>2020-11-16</a:t>
+              <a:t>2020-11-17</a:t>
             </a:fld>
             <a:endParaRPr lang="ko-KR" altLang="en-US"/>
           </a:p>
@@ -1606,7 +1606,7 @@
           <a:p>
             <a:fld id="{095B6DE2-6C77-4A6B-8C24-B2A80D9E8746}" type="datetimeFigureOut">
               <a:rPr lang="ko-KR" altLang="en-US" smtClean="0"/>
-              <a:t>2020-11-16</a:t>
+              <a:t>2020-11-17</a:t>
             </a:fld>
             <a:endParaRPr lang="ko-KR" altLang="en-US"/>
           </a:p>
@@ -1724,7 +1724,7 @@
           <a:p>
             <a:fld id="{095B6DE2-6C77-4A6B-8C24-B2A80D9E8746}" type="datetimeFigureOut">
               <a:rPr lang="ko-KR" altLang="en-US" smtClean="0"/>
-              <a:t>2020-11-16</a:t>
+              <a:t>2020-11-17</a:t>
             </a:fld>
             <a:endParaRPr lang="ko-KR" altLang="en-US"/>
           </a:p>
@@ -1819,7 +1819,7 @@
           <a:p>
             <a:fld id="{095B6DE2-6C77-4A6B-8C24-B2A80D9E8746}" type="datetimeFigureOut">
               <a:rPr lang="ko-KR" altLang="en-US" smtClean="0"/>
-              <a:t>2020-11-16</a:t>
+              <a:t>2020-11-17</a:t>
             </a:fld>
             <a:endParaRPr lang="ko-KR" altLang="en-US"/>
           </a:p>
@@ -2096,7 +2096,7 @@
           <a:p>
             <a:fld id="{095B6DE2-6C77-4A6B-8C24-B2A80D9E8746}" type="datetimeFigureOut">
               <a:rPr lang="ko-KR" altLang="en-US" smtClean="0"/>
-              <a:t>2020-11-16</a:t>
+              <a:t>2020-11-17</a:t>
             </a:fld>
             <a:endParaRPr lang="ko-KR" altLang="en-US"/>
           </a:p>
@@ -2353,7 +2353,7 @@
           <a:p>
             <a:fld id="{095B6DE2-6C77-4A6B-8C24-B2A80D9E8746}" type="datetimeFigureOut">
               <a:rPr lang="ko-KR" altLang="en-US" smtClean="0"/>
-              <a:t>2020-11-16</a:t>
+              <a:t>2020-11-17</a:t>
             </a:fld>
             <a:endParaRPr lang="ko-KR" altLang="en-US"/>
           </a:p>
@@ -2566,7 +2566,7 @@
           <a:p>
             <a:fld id="{095B6DE2-6C77-4A6B-8C24-B2A80D9E8746}" type="datetimeFigureOut">
               <a:rPr lang="ko-KR" altLang="en-US" smtClean="0"/>
-              <a:t>2020-11-16</a:t>
+              <a:t>2020-11-17</a:t>
             </a:fld>
             <a:endParaRPr lang="ko-KR" altLang="en-US"/>
           </a:p>
@@ -2990,8 +2990,8 @@
         </p:nvSpPr>
         <p:spPr>
           <a:xfrm>
-            <a:off x="0" y="-1"/>
-            <a:ext cx="6858000" cy="6480176"/>
+            <a:off x="-137160" y="-74816"/>
+            <a:ext cx="7132320" cy="6629805"/>
           </a:xfrm>
           <a:prstGeom prst="rect">
             <a:avLst/>

--- a/howtouse.pptx
+++ b/howtouse.pptx
@@ -2,12 +2,12 @@
 <file path=ppt/presentation.xml><?xml version="1.0" encoding="utf-8"?>
 <p:presentation xmlns:a="http://schemas.openxmlformats.org/drawingml/2006/main" xmlns:r="http://schemas.openxmlformats.org/officeDocument/2006/relationships" xmlns:p="http://schemas.openxmlformats.org/presentationml/2006/main" saveSubsetFonts="1">
   <p:sldMasterIdLst>
-    <p:sldMasterId id="2147483696" r:id="rId1"/>
+    <p:sldMasterId id="2147483708" r:id="rId1"/>
   </p:sldMasterIdLst>
   <p:sldIdLst>
     <p:sldId id="256" r:id="rId2"/>
   </p:sldIdLst>
-  <p:sldSz cx="6858000" cy="6480175"/>
+  <p:sldSz cx="6858000" cy="9906000" type="A4"/>
   <p:notesSz cx="6858000" cy="9144000"/>
   <p:defaultTextStyle>
     <a:defPPr>
@@ -141,8 +141,8 @@
         </p:nvSpPr>
         <p:spPr>
           <a:xfrm>
-            <a:off x="514350" y="1060529"/>
-            <a:ext cx="5829300" cy="2256061"/>
+            <a:off x="514350" y="1621191"/>
+            <a:ext cx="5829300" cy="3448756"/>
           </a:xfrm>
         </p:spPr>
         <p:txBody>
@@ -173,8 +173,8 @@
         </p:nvSpPr>
         <p:spPr>
           <a:xfrm>
-            <a:off x="857250" y="3403592"/>
-            <a:ext cx="5143500" cy="1564542"/>
+            <a:off x="857250" y="5202944"/>
+            <a:ext cx="5143500" cy="2391656"/>
           </a:xfrm>
         </p:spPr>
         <p:txBody>
@@ -243,7 +243,7 @@
           <a:p>
             <a:fld id="{095B6DE2-6C77-4A6B-8C24-B2A80D9E8746}" type="datetimeFigureOut">
               <a:rPr lang="ko-KR" altLang="en-US" smtClean="0"/>
-              <a:t>2020-11-17</a:t>
+              <a:t>2020-11-26</a:t>
             </a:fld>
             <a:endParaRPr lang="ko-KR" altLang="en-US"/>
           </a:p>
@@ -294,7 +294,7 @@
     </p:spTree>
     <p:extLst>
       <p:ext uri="{BB962C8B-B14F-4D97-AF65-F5344CB8AC3E}">
-        <p14:creationId xmlns:p14="http://schemas.microsoft.com/office/powerpoint/2010/main" val="1967797256"/>
+        <p14:creationId xmlns:p14="http://schemas.microsoft.com/office/powerpoint/2010/main" val="1704390107"/>
       </p:ext>
     </p:extLst>
   </p:cSld>
@@ -413,7 +413,7 @@
           <a:p>
             <a:fld id="{095B6DE2-6C77-4A6B-8C24-B2A80D9E8746}" type="datetimeFigureOut">
               <a:rPr lang="ko-KR" altLang="en-US" smtClean="0"/>
-              <a:t>2020-11-17</a:t>
+              <a:t>2020-11-26</a:t>
             </a:fld>
             <a:endParaRPr lang="ko-KR" altLang="en-US"/>
           </a:p>
@@ -464,7 +464,7 @@
     </p:spTree>
     <p:extLst>
       <p:ext uri="{BB962C8B-B14F-4D97-AF65-F5344CB8AC3E}">
-        <p14:creationId xmlns:p14="http://schemas.microsoft.com/office/powerpoint/2010/main" val="2620674069"/>
+        <p14:creationId xmlns:p14="http://schemas.microsoft.com/office/powerpoint/2010/main" val="3737547103"/>
       </p:ext>
     </p:extLst>
   </p:cSld>
@@ -503,8 +503,8 @@
         </p:nvSpPr>
         <p:spPr>
           <a:xfrm>
-            <a:off x="4907757" y="345009"/>
-            <a:ext cx="1478756" cy="5491649"/>
+            <a:off x="4907757" y="527403"/>
+            <a:ext cx="1478756" cy="8394877"/>
           </a:xfrm>
         </p:spPr>
         <p:txBody>
@@ -531,8 +531,8 @@
         </p:nvSpPr>
         <p:spPr>
           <a:xfrm>
-            <a:off x="471488" y="345009"/>
-            <a:ext cx="4350544" cy="5491649"/>
+            <a:off x="471488" y="527403"/>
+            <a:ext cx="4350544" cy="8394877"/>
           </a:xfrm>
         </p:spPr>
         <p:txBody>
@@ -593,7 +593,7 @@
           <a:p>
             <a:fld id="{095B6DE2-6C77-4A6B-8C24-B2A80D9E8746}" type="datetimeFigureOut">
               <a:rPr lang="ko-KR" altLang="en-US" smtClean="0"/>
-              <a:t>2020-11-17</a:t>
+              <a:t>2020-11-26</a:t>
             </a:fld>
             <a:endParaRPr lang="ko-KR" altLang="en-US"/>
           </a:p>
@@ -644,7 +644,7 @@
     </p:spTree>
     <p:extLst>
       <p:ext uri="{BB962C8B-B14F-4D97-AF65-F5344CB8AC3E}">
-        <p14:creationId xmlns:p14="http://schemas.microsoft.com/office/powerpoint/2010/main" val="2589871321"/>
+        <p14:creationId xmlns:p14="http://schemas.microsoft.com/office/powerpoint/2010/main" val="2140748740"/>
       </p:ext>
     </p:extLst>
   </p:cSld>
@@ -763,7 +763,7 @@
           <a:p>
             <a:fld id="{095B6DE2-6C77-4A6B-8C24-B2A80D9E8746}" type="datetimeFigureOut">
               <a:rPr lang="ko-KR" altLang="en-US" smtClean="0"/>
-              <a:t>2020-11-17</a:t>
+              <a:t>2020-11-26</a:t>
             </a:fld>
             <a:endParaRPr lang="ko-KR" altLang="en-US"/>
           </a:p>
@@ -814,7 +814,7 @@
     </p:spTree>
     <p:extLst>
       <p:ext uri="{BB962C8B-B14F-4D97-AF65-F5344CB8AC3E}">
-        <p14:creationId xmlns:p14="http://schemas.microsoft.com/office/powerpoint/2010/main" val="2538847936"/>
+        <p14:creationId xmlns:p14="http://schemas.microsoft.com/office/powerpoint/2010/main" val="1606022847"/>
       </p:ext>
     </p:extLst>
   </p:cSld>
@@ -853,8 +853,8 @@
         </p:nvSpPr>
         <p:spPr>
           <a:xfrm>
-            <a:off x="467916" y="1615546"/>
-            <a:ext cx="5915025" cy="2695572"/>
+            <a:off x="467916" y="2469624"/>
+            <a:ext cx="5915025" cy="4120620"/>
           </a:xfrm>
         </p:spPr>
         <p:txBody>
@@ -885,8 +885,8 @@
         </p:nvSpPr>
         <p:spPr>
           <a:xfrm>
-            <a:off x="467916" y="4336619"/>
-            <a:ext cx="5915025" cy="1417538"/>
+            <a:off x="467916" y="6629226"/>
+            <a:ext cx="5915025" cy="2166937"/>
           </a:xfrm>
         </p:spPr>
         <p:txBody>
@@ -1007,7 +1007,7 @@
           <a:p>
             <a:fld id="{095B6DE2-6C77-4A6B-8C24-B2A80D9E8746}" type="datetimeFigureOut">
               <a:rPr lang="ko-KR" altLang="en-US" smtClean="0"/>
-              <a:t>2020-11-17</a:t>
+              <a:t>2020-11-26</a:t>
             </a:fld>
             <a:endParaRPr lang="ko-KR" altLang="en-US"/>
           </a:p>
@@ -1058,7 +1058,7 @@
     </p:spTree>
     <p:extLst>
       <p:ext uri="{BB962C8B-B14F-4D97-AF65-F5344CB8AC3E}">
-        <p14:creationId xmlns:p14="http://schemas.microsoft.com/office/powerpoint/2010/main" val="1942948657"/>
+        <p14:creationId xmlns:p14="http://schemas.microsoft.com/office/powerpoint/2010/main" val="1170665283"/>
       </p:ext>
     </p:extLst>
   </p:cSld>
@@ -1120,8 +1120,8 @@
         </p:nvSpPr>
         <p:spPr>
           <a:xfrm>
-            <a:off x="471488" y="1725046"/>
-            <a:ext cx="2914650" cy="4111612"/>
+            <a:off x="471488" y="2637014"/>
+            <a:ext cx="2914650" cy="6285266"/>
           </a:xfrm>
         </p:spPr>
         <p:txBody>
@@ -1177,8 +1177,8 @@
         </p:nvSpPr>
         <p:spPr>
           <a:xfrm>
-            <a:off x="3471863" y="1725046"/>
-            <a:ext cx="2914650" cy="4111612"/>
+            <a:off x="3471863" y="2637014"/>
+            <a:ext cx="2914650" cy="6285266"/>
           </a:xfrm>
         </p:spPr>
         <p:txBody>
@@ -1239,7 +1239,7 @@
           <a:p>
             <a:fld id="{095B6DE2-6C77-4A6B-8C24-B2A80D9E8746}" type="datetimeFigureOut">
               <a:rPr lang="ko-KR" altLang="en-US" smtClean="0"/>
-              <a:t>2020-11-17</a:t>
+              <a:t>2020-11-26</a:t>
             </a:fld>
             <a:endParaRPr lang="ko-KR" altLang="en-US"/>
           </a:p>
@@ -1290,7 +1290,7 @@
     </p:spTree>
     <p:extLst>
       <p:ext uri="{BB962C8B-B14F-4D97-AF65-F5344CB8AC3E}">
-        <p14:creationId xmlns:p14="http://schemas.microsoft.com/office/powerpoint/2010/main" val="3733176892"/>
+        <p14:creationId xmlns:p14="http://schemas.microsoft.com/office/powerpoint/2010/main" val="439048296"/>
       </p:ext>
     </p:extLst>
   </p:cSld>
@@ -1329,8 +1329,8 @@
         </p:nvSpPr>
         <p:spPr>
           <a:xfrm>
-            <a:off x="472381" y="345011"/>
-            <a:ext cx="5915025" cy="1252534"/>
+            <a:off x="472381" y="527405"/>
+            <a:ext cx="5915025" cy="1914702"/>
           </a:xfrm>
         </p:spPr>
         <p:txBody>
@@ -1357,8 +1357,8 @@
         </p:nvSpPr>
         <p:spPr>
           <a:xfrm>
-            <a:off x="472381" y="1588543"/>
-            <a:ext cx="2901255" cy="778521"/>
+            <a:off x="472381" y="2428347"/>
+            <a:ext cx="2901255" cy="1190095"/>
           </a:xfrm>
         </p:spPr>
         <p:txBody>
@@ -1422,8 +1422,8 @@
         </p:nvSpPr>
         <p:spPr>
           <a:xfrm>
-            <a:off x="472381" y="2367064"/>
-            <a:ext cx="2901255" cy="3481594"/>
+            <a:off x="472381" y="3618442"/>
+            <a:ext cx="2901255" cy="5322183"/>
           </a:xfrm>
         </p:spPr>
         <p:txBody>
@@ -1479,8 +1479,8 @@
         </p:nvSpPr>
         <p:spPr>
           <a:xfrm>
-            <a:off x="3471863" y="1588543"/>
-            <a:ext cx="2915543" cy="778521"/>
+            <a:off x="3471863" y="2428347"/>
+            <a:ext cx="2915543" cy="1190095"/>
           </a:xfrm>
         </p:spPr>
         <p:txBody>
@@ -1544,8 +1544,8 @@
         </p:nvSpPr>
         <p:spPr>
           <a:xfrm>
-            <a:off x="3471863" y="2367064"/>
-            <a:ext cx="2915543" cy="3481594"/>
+            <a:off x="3471863" y="3618442"/>
+            <a:ext cx="2915543" cy="5322183"/>
           </a:xfrm>
         </p:spPr>
         <p:txBody>
@@ -1606,7 +1606,7 @@
           <a:p>
             <a:fld id="{095B6DE2-6C77-4A6B-8C24-B2A80D9E8746}" type="datetimeFigureOut">
               <a:rPr lang="ko-KR" altLang="en-US" smtClean="0"/>
-              <a:t>2020-11-17</a:t>
+              <a:t>2020-11-26</a:t>
             </a:fld>
             <a:endParaRPr lang="ko-KR" altLang="en-US"/>
           </a:p>
@@ -1657,7 +1657,7 @@
     </p:spTree>
     <p:extLst>
       <p:ext uri="{BB962C8B-B14F-4D97-AF65-F5344CB8AC3E}">
-        <p14:creationId xmlns:p14="http://schemas.microsoft.com/office/powerpoint/2010/main" val="3887116991"/>
+        <p14:creationId xmlns:p14="http://schemas.microsoft.com/office/powerpoint/2010/main" val="3299513232"/>
       </p:ext>
     </p:extLst>
   </p:cSld>
@@ -1724,7 +1724,7 @@
           <a:p>
             <a:fld id="{095B6DE2-6C77-4A6B-8C24-B2A80D9E8746}" type="datetimeFigureOut">
               <a:rPr lang="ko-KR" altLang="en-US" smtClean="0"/>
-              <a:t>2020-11-17</a:t>
+              <a:t>2020-11-26</a:t>
             </a:fld>
             <a:endParaRPr lang="ko-KR" altLang="en-US"/>
           </a:p>
@@ -1775,7 +1775,7 @@
     </p:spTree>
     <p:extLst>
       <p:ext uri="{BB962C8B-B14F-4D97-AF65-F5344CB8AC3E}">
-        <p14:creationId xmlns:p14="http://schemas.microsoft.com/office/powerpoint/2010/main" val="2941609093"/>
+        <p14:creationId xmlns:p14="http://schemas.microsoft.com/office/powerpoint/2010/main" val="1897104508"/>
       </p:ext>
     </p:extLst>
   </p:cSld>
@@ -1819,7 +1819,7 @@
           <a:p>
             <a:fld id="{095B6DE2-6C77-4A6B-8C24-B2A80D9E8746}" type="datetimeFigureOut">
               <a:rPr lang="ko-KR" altLang="en-US" smtClean="0"/>
-              <a:t>2020-11-17</a:t>
+              <a:t>2020-11-26</a:t>
             </a:fld>
             <a:endParaRPr lang="ko-KR" altLang="en-US"/>
           </a:p>
@@ -1870,7 +1870,7 @@
     </p:spTree>
     <p:extLst>
       <p:ext uri="{BB962C8B-B14F-4D97-AF65-F5344CB8AC3E}">
-        <p14:creationId xmlns:p14="http://schemas.microsoft.com/office/powerpoint/2010/main" val="230883767"/>
+        <p14:creationId xmlns:p14="http://schemas.microsoft.com/office/powerpoint/2010/main" val="2201004418"/>
       </p:ext>
     </p:extLst>
   </p:cSld>
@@ -1909,8 +1909,8 @@
         </p:nvSpPr>
         <p:spPr>
           <a:xfrm>
-            <a:off x="472381" y="432012"/>
-            <a:ext cx="2211884" cy="1512041"/>
+            <a:off x="472381" y="660400"/>
+            <a:ext cx="2211884" cy="2311400"/>
           </a:xfrm>
         </p:spPr>
         <p:txBody>
@@ -1941,8 +1941,8 @@
         </p:nvSpPr>
         <p:spPr>
           <a:xfrm>
-            <a:off x="2915543" y="933027"/>
-            <a:ext cx="3471863" cy="4605124"/>
+            <a:off x="2915543" y="1426283"/>
+            <a:ext cx="3471863" cy="7039681"/>
           </a:xfrm>
         </p:spPr>
         <p:txBody>
@@ -2026,8 +2026,8 @@
         </p:nvSpPr>
         <p:spPr>
           <a:xfrm>
-            <a:off x="472381" y="1944052"/>
-            <a:ext cx="2211884" cy="3601598"/>
+            <a:off x="472381" y="2971800"/>
+            <a:ext cx="2211884" cy="5505627"/>
           </a:xfrm>
         </p:spPr>
         <p:txBody>
@@ -2096,7 +2096,7 @@
           <a:p>
             <a:fld id="{095B6DE2-6C77-4A6B-8C24-B2A80D9E8746}" type="datetimeFigureOut">
               <a:rPr lang="ko-KR" altLang="en-US" smtClean="0"/>
-              <a:t>2020-11-17</a:t>
+              <a:t>2020-11-26</a:t>
             </a:fld>
             <a:endParaRPr lang="ko-KR" altLang="en-US"/>
           </a:p>
@@ -2147,7 +2147,7 @@
     </p:spTree>
     <p:extLst>
       <p:ext uri="{BB962C8B-B14F-4D97-AF65-F5344CB8AC3E}">
-        <p14:creationId xmlns:p14="http://schemas.microsoft.com/office/powerpoint/2010/main" val="2576688402"/>
+        <p14:creationId xmlns:p14="http://schemas.microsoft.com/office/powerpoint/2010/main" val="2993576642"/>
       </p:ext>
     </p:extLst>
   </p:cSld>
@@ -2186,8 +2186,8 @@
         </p:nvSpPr>
         <p:spPr>
           <a:xfrm>
-            <a:off x="472381" y="432012"/>
-            <a:ext cx="2211884" cy="1512041"/>
+            <a:off x="472381" y="660400"/>
+            <a:ext cx="2211884" cy="2311400"/>
           </a:xfrm>
         </p:spPr>
         <p:txBody>
@@ -2218,8 +2218,8 @@
         </p:nvSpPr>
         <p:spPr>
           <a:xfrm>
-            <a:off x="2915543" y="933027"/>
-            <a:ext cx="3471863" cy="4605124"/>
+            <a:off x="2915543" y="1426283"/>
+            <a:ext cx="3471863" cy="7039681"/>
           </a:xfrm>
         </p:spPr>
         <p:txBody>
@@ -2283,8 +2283,8 @@
         </p:nvSpPr>
         <p:spPr>
           <a:xfrm>
-            <a:off x="472381" y="1944052"/>
-            <a:ext cx="2211884" cy="3601598"/>
+            <a:off x="472381" y="2971800"/>
+            <a:ext cx="2211884" cy="5505627"/>
           </a:xfrm>
         </p:spPr>
         <p:txBody>
@@ -2353,7 +2353,7 @@
           <a:p>
             <a:fld id="{095B6DE2-6C77-4A6B-8C24-B2A80D9E8746}" type="datetimeFigureOut">
               <a:rPr lang="ko-KR" altLang="en-US" smtClean="0"/>
-              <a:t>2020-11-17</a:t>
+              <a:t>2020-11-26</a:t>
             </a:fld>
             <a:endParaRPr lang="ko-KR" altLang="en-US"/>
           </a:p>
@@ -2404,7 +2404,7 @@
     </p:spTree>
     <p:extLst>
       <p:ext uri="{BB962C8B-B14F-4D97-AF65-F5344CB8AC3E}">
-        <p14:creationId xmlns:p14="http://schemas.microsoft.com/office/powerpoint/2010/main" val="3747448348"/>
+        <p14:creationId xmlns:p14="http://schemas.microsoft.com/office/powerpoint/2010/main" val="3606427507"/>
       </p:ext>
     </p:extLst>
   </p:cSld>
@@ -2448,8 +2448,8 @@
         </p:nvSpPr>
         <p:spPr>
           <a:xfrm>
-            <a:off x="471488" y="345011"/>
-            <a:ext cx="5915025" cy="1252534"/>
+            <a:off x="471488" y="527405"/>
+            <a:ext cx="5915025" cy="1914702"/>
           </a:xfrm>
           <a:prstGeom prst="rect">
             <a:avLst/>
@@ -2481,8 +2481,8 @@
         </p:nvSpPr>
         <p:spPr>
           <a:xfrm>
-            <a:off x="471488" y="1725046"/>
-            <a:ext cx="5915025" cy="4111612"/>
+            <a:off x="471488" y="2637014"/>
+            <a:ext cx="5915025" cy="6285266"/>
           </a:xfrm>
           <a:prstGeom prst="rect">
             <a:avLst/>
@@ -2543,8 +2543,8 @@
         </p:nvSpPr>
         <p:spPr>
           <a:xfrm>
-            <a:off x="471488" y="6006164"/>
-            <a:ext cx="1543050" cy="345009"/>
+            <a:off x="471488" y="9181397"/>
+            <a:ext cx="1543050" cy="527403"/>
           </a:xfrm>
           <a:prstGeom prst="rect">
             <a:avLst/>
@@ -2566,7 +2566,7 @@
           <a:p>
             <a:fld id="{095B6DE2-6C77-4A6B-8C24-B2A80D9E8746}" type="datetimeFigureOut">
               <a:rPr lang="ko-KR" altLang="en-US" smtClean="0"/>
-              <a:t>2020-11-17</a:t>
+              <a:t>2020-11-26</a:t>
             </a:fld>
             <a:endParaRPr lang="ko-KR" altLang="en-US"/>
           </a:p>
@@ -2584,8 +2584,8 @@
         </p:nvSpPr>
         <p:spPr>
           <a:xfrm>
-            <a:off x="2271713" y="6006164"/>
-            <a:ext cx="2314575" cy="345009"/>
+            <a:off x="2271713" y="9181397"/>
+            <a:ext cx="2314575" cy="527403"/>
           </a:xfrm>
           <a:prstGeom prst="rect">
             <a:avLst/>
@@ -2621,8 +2621,8 @@
         </p:nvSpPr>
         <p:spPr>
           <a:xfrm>
-            <a:off x="4843463" y="6006164"/>
-            <a:ext cx="1543050" cy="345009"/>
+            <a:off x="4843463" y="9181397"/>
+            <a:ext cx="1543050" cy="527403"/>
           </a:xfrm>
           <a:prstGeom prst="rect">
             <a:avLst/>
@@ -2653,23 +2653,23 @@
     </p:spTree>
     <p:extLst>
       <p:ext uri="{BB962C8B-B14F-4D97-AF65-F5344CB8AC3E}">
-        <p14:creationId xmlns:p14="http://schemas.microsoft.com/office/powerpoint/2010/main" val="2152332123"/>
+        <p14:creationId xmlns:p14="http://schemas.microsoft.com/office/powerpoint/2010/main" val="2335512062"/>
       </p:ext>
     </p:extLst>
   </p:cSld>
   <p:clrMap bg1="lt1" tx1="dk1" bg2="lt2" tx2="dk2" accent1="accent1" accent2="accent2" accent3="accent3" accent4="accent4" accent5="accent5" accent6="accent6" hlink="hlink" folHlink="folHlink"/>
   <p:sldLayoutIdLst>
-    <p:sldLayoutId id="2147483697" r:id="rId1"/>
-    <p:sldLayoutId id="2147483698" r:id="rId2"/>
-    <p:sldLayoutId id="2147483699" r:id="rId3"/>
-    <p:sldLayoutId id="2147483700" r:id="rId4"/>
-    <p:sldLayoutId id="2147483701" r:id="rId5"/>
-    <p:sldLayoutId id="2147483702" r:id="rId6"/>
-    <p:sldLayoutId id="2147483703" r:id="rId7"/>
-    <p:sldLayoutId id="2147483704" r:id="rId8"/>
-    <p:sldLayoutId id="2147483705" r:id="rId9"/>
-    <p:sldLayoutId id="2147483706" r:id="rId10"/>
-    <p:sldLayoutId id="2147483707" r:id="rId11"/>
+    <p:sldLayoutId id="2147483709" r:id="rId1"/>
+    <p:sldLayoutId id="2147483710" r:id="rId2"/>
+    <p:sldLayoutId id="2147483711" r:id="rId3"/>
+    <p:sldLayoutId id="2147483712" r:id="rId4"/>
+    <p:sldLayoutId id="2147483713" r:id="rId5"/>
+    <p:sldLayoutId id="2147483714" r:id="rId6"/>
+    <p:sldLayoutId id="2147483715" r:id="rId7"/>
+    <p:sldLayoutId id="2147483716" r:id="rId8"/>
+    <p:sldLayoutId id="2147483717" r:id="rId9"/>
+    <p:sldLayoutId id="2147483718" r:id="rId10"/>
+    <p:sldLayoutId id="2147483719" r:id="rId11"/>
   </p:sldLayoutIdLst>
   <p:txStyles>
     <p:titleStyle>
@@ -2955,13 +2955,8 @@
 </file>
 
 <file path=ppt/slides/slide1.xml><?xml version="1.0" encoding="utf-8"?>
-<p:sld xmlns:a="http://schemas.openxmlformats.org/drawingml/2006/main" xmlns:r="http://schemas.openxmlformats.org/officeDocument/2006/relationships" xmlns:p="http://schemas.openxmlformats.org/presentationml/2006/main">
+<p:sld xmlns:a="http://schemas.openxmlformats.org/drawingml/2006/main" xmlns:r="http://schemas.openxmlformats.org/officeDocument/2006/relationships" xmlns:p="http://schemas.openxmlformats.org/presentationml/2006/main" showMasterSp="0">
   <p:cSld>
-    <p:bg>
-      <p:bgRef idx="1001">
-        <a:schemeClr val="bg1"/>
-      </p:bgRef>
-    </p:bg>
     <p:spTree>
       <p:nvGrpSpPr>
         <p:cNvPr id="1" name=""/>
@@ -2976,116 +2971,12 @@
           <a:chExt cx="0" cy="0"/>
         </a:xfrm>
       </p:grpSpPr>
-      <p:sp>
-        <p:nvSpPr>
-          <p:cNvPr id="2" name="직사각형 1">
+      <p:grpSp>
+        <p:nvGrpSpPr>
+          <p:cNvPr id="26" name="그룹 25">
             <a:extLst>
               <a:ext uri="{FF2B5EF4-FFF2-40B4-BE49-F238E27FC236}">
-                <a16:creationId xmlns:a16="http://schemas.microsoft.com/office/drawing/2014/main" id="{2CB09855-F054-49DA-B443-7904681831F8}"/>
-              </a:ext>
-            </a:extLst>
-          </p:cNvPr>
-          <p:cNvSpPr/>
-          <p:nvPr/>
-        </p:nvSpPr>
-        <p:spPr>
-          <a:xfrm>
-            <a:off x="-137160" y="-74816"/>
-            <a:ext cx="7132320" cy="6629805"/>
-          </a:xfrm>
-          <a:prstGeom prst="rect">
-            <a:avLst/>
-          </a:prstGeom>
-          <a:solidFill>
-            <a:srgbClr val="323232"/>
-          </a:solidFill>
-          <a:ln>
-            <a:noFill/>
-          </a:ln>
-        </p:spPr>
-        <p:style>
-          <a:lnRef idx="2">
-            <a:schemeClr val="accent1">
-              <a:shade val="50000"/>
-            </a:schemeClr>
-          </a:lnRef>
-          <a:fillRef idx="1">
-            <a:schemeClr val="accent1"/>
-          </a:fillRef>
-          <a:effectRef idx="0">
-            <a:schemeClr val="accent1"/>
-          </a:effectRef>
-          <a:fontRef idx="minor">
-            <a:schemeClr val="lt1"/>
-          </a:fontRef>
-        </p:style>
-        <p:txBody>
-          <a:bodyPr rtlCol="0" anchor="ctr"/>
-          <a:lstStyle/>
-          <a:p>
-            <a:pPr algn="ctr"/>
-            <a:endParaRPr lang="ko-KR" altLang="en-US"/>
-          </a:p>
-        </p:txBody>
-      </p:sp>
-      <p:sp>
-        <p:nvSpPr>
-          <p:cNvPr id="24" name="사각형: 둥근 모서리 23">
-            <a:extLst>
-              <a:ext uri="{FF2B5EF4-FFF2-40B4-BE49-F238E27FC236}">
-                <a16:creationId xmlns:a16="http://schemas.microsoft.com/office/drawing/2014/main" id="{444188BD-F990-4887-BE36-E6800B9E7659}"/>
-              </a:ext>
-            </a:extLst>
-          </p:cNvPr>
-          <p:cNvSpPr/>
-          <p:nvPr/>
-        </p:nvSpPr>
-        <p:spPr>
-          <a:xfrm>
-            <a:off x="482138" y="270471"/>
-            <a:ext cx="5893724" cy="5939232"/>
-          </a:xfrm>
-          <a:prstGeom prst="roundRect">
-            <a:avLst/>
-          </a:prstGeom>
-          <a:solidFill>
-            <a:schemeClr val="bg1"/>
-          </a:solidFill>
-          <a:ln w="76200">
-            <a:prstDash val="lgDash"/>
-          </a:ln>
-        </p:spPr>
-        <p:style>
-          <a:lnRef idx="2">
-            <a:schemeClr val="accent1">
-              <a:shade val="50000"/>
-            </a:schemeClr>
-          </a:lnRef>
-          <a:fillRef idx="1">
-            <a:schemeClr val="accent1"/>
-          </a:fillRef>
-          <a:effectRef idx="0">
-            <a:schemeClr val="accent1"/>
-          </a:effectRef>
-          <a:fontRef idx="minor">
-            <a:schemeClr val="lt1"/>
-          </a:fontRef>
-        </p:style>
-        <p:txBody>
-          <a:bodyPr rtlCol="0" anchor="ctr"/>
-          <a:lstStyle/>
-          <a:p>
-            <a:pPr algn="ctr"/>
-            <a:endParaRPr lang="ko-KR" altLang="en-US"/>
-          </a:p>
-        </p:txBody>
-      </p:sp>
-      <p:grpSp>
-        <p:nvGrpSpPr>
-          <p:cNvPr id="22" name="그룹 21">
-            <a:extLst>
-              <a:ext uri="{FF2B5EF4-FFF2-40B4-BE49-F238E27FC236}">
-                <a16:creationId xmlns:a16="http://schemas.microsoft.com/office/drawing/2014/main" id="{9448F600-C58D-4546-95FD-7975F66997D3}"/>
+                <a16:creationId xmlns:a16="http://schemas.microsoft.com/office/drawing/2014/main" id="{00A9C043-97BA-4432-895A-05DEBEBF6FC2}"/>
               </a:ext>
             </a:extLst>
           </p:cNvPr>
@@ -3094,65 +2985,18 @@
         </p:nvGrpSpPr>
         <p:grpSpPr>
           <a:xfrm>
-            <a:off x="1678512" y="1494175"/>
-            <a:ext cx="3500975" cy="3500975"/>
-            <a:chOff x="-5942021" y="362792"/>
-            <a:chExt cx="5351809" cy="5351809"/>
+            <a:off x="488435" y="1379058"/>
+            <a:ext cx="5881130" cy="7147884"/>
+            <a:chOff x="-7493462" y="1061558"/>
+            <a:chExt cx="5881130" cy="7147884"/>
           </a:xfrm>
         </p:grpSpPr>
-        <p:pic>
-          <p:nvPicPr>
-            <p:cNvPr id="1026" name="Picture 2" descr="대한민국 지도 크게 보기 * 대한민국 전도,전체지도 | 지도, 그림, 아티스트">
+        <p:sp>
+          <p:nvSpPr>
+            <p:cNvPr id="24" name="사각형: 둥근 모서리 23">
               <a:extLst>
                 <a:ext uri="{FF2B5EF4-FFF2-40B4-BE49-F238E27FC236}">
-                  <a16:creationId xmlns:a16="http://schemas.microsoft.com/office/drawing/2014/main" id="{591010DB-3D47-432E-B546-024D2F448F63}"/>
-                </a:ext>
-              </a:extLst>
-            </p:cNvPr>
-            <p:cNvPicPr>
-              <a:picLocks noChangeAspect="1" noChangeArrowheads="1"/>
-            </p:cNvPicPr>
-            <p:nvPr/>
-          </p:nvPicPr>
-          <p:blipFill>
-            <a:blip r:embed="rId2">
-              <a:extLst>
-                <a:ext uri="{28A0092B-C50C-407E-A947-70E740481C1C}">
-                  <a14:useLocalDpi xmlns:a14="http://schemas.microsoft.com/office/drawing/2010/main" val="0"/>
-                </a:ext>
-              </a:extLst>
-            </a:blip>
-            <a:srcRect/>
-            <a:stretch>
-              <a:fillRect/>
-            </a:stretch>
-          </p:blipFill>
-          <p:spPr bwMode="auto">
-            <a:xfrm>
-              <a:off x="-5942021" y="362792"/>
-              <a:ext cx="5351809" cy="5351809"/>
-            </a:xfrm>
-            <a:prstGeom prst="rect">
-              <a:avLst/>
-            </a:prstGeom>
-            <a:noFill/>
-            <a:extLst>
-              <a:ext uri="{909E8E84-426E-40DD-AFC4-6F175D3DCCD1}">
-                <a14:hiddenFill xmlns:a14="http://schemas.microsoft.com/office/drawing/2010/main">
-                  <a:solidFill>
-                    <a:srgbClr val="FFFFFF"/>
-                  </a:solidFill>
-                </a14:hiddenFill>
-              </a:ext>
-            </a:extLst>
-          </p:spPr>
-        </p:pic>
-        <p:sp>
-          <p:nvSpPr>
-            <p:cNvPr id="21" name="직사각형 20">
-              <a:extLst>
-                <a:ext uri="{FF2B5EF4-FFF2-40B4-BE49-F238E27FC236}">
-                  <a16:creationId xmlns:a16="http://schemas.microsoft.com/office/drawing/2014/main" id="{A3583C99-204A-44DB-9753-773E86B1B2A2}"/>
+                  <a16:creationId xmlns:a16="http://schemas.microsoft.com/office/drawing/2014/main" id="{444188BD-F990-4887-BE36-E6800B9E7659}"/>
                 </a:ext>
               </a:extLst>
             </p:cNvPr>
@@ -3161,35 +3005,40 @@
           </p:nvSpPr>
           <p:spPr>
             <a:xfrm>
-              <a:off x="-5875178" y="426092"/>
-              <a:ext cx="5218122" cy="5225208"/>
+              <a:off x="-7493462" y="1061558"/>
+              <a:ext cx="5881130" cy="7147884"/>
             </a:xfrm>
-            <a:prstGeom prst="rect">
+            <a:prstGeom prst="roundRect">
               <a:avLst/>
             </a:prstGeom>
             <a:solidFill>
               <a:schemeClr val="bg1">
-                <a:alpha val="70000"/>
+                <a:lumMod val="85000"/>
               </a:schemeClr>
             </a:solidFill>
             <a:ln>
               <a:noFill/>
             </a:ln>
+            <a:scene3d>
+              <a:camera prst="orthographicFront"/>
+              <a:lightRig rig="threePt" dir="t"/>
+            </a:scene3d>
+            <a:sp3d>
+              <a:bevelT/>
+            </a:sp3d>
           </p:spPr>
           <p:style>
             <a:lnRef idx="2">
-              <a:schemeClr val="accent1">
-                <a:shade val="50000"/>
-              </a:schemeClr>
+              <a:schemeClr val="dk1"/>
             </a:lnRef>
             <a:fillRef idx="1">
-              <a:schemeClr val="accent1"/>
+              <a:schemeClr val="lt1"/>
             </a:fillRef>
             <a:effectRef idx="0">
-              <a:schemeClr val="accent1"/>
+              <a:schemeClr val="dk1"/>
             </a:effectRef>
             <a:fontRef idx="minor">
-              <a:schemeClr val="lt1"/>
+              <a:schemeClr val="dk1"/>
             </a:fontRef>
           </p:style>
           <p:txBody>
@@ -3197,42 +3046,368 @@
             <a:lstStyle/>
             <a:p>
               <a:pPr algn="ctr"/>
-              <a:endParaRPr lang="ko-KR" altLang="en-US" sz="1177"/>
+              <a:endParaRPr lang="ko-KR" altLang="en-US" dirty="0">
+                <a:solidFill>
+                  <a:schemeClr val="tx1"/>
+                </a:solidFill>
+              </a:endParaRPr>
             </a:p>
           </p:txBody>
         </p:sp>
-      </p:grpSp>
-      <p:sp>
-        <p:nvSpPr>
-          <p:cNvPr id="4" name="직사각형 3">
-            <a:extLst>
-              <a:ext uri="{FF2B5EF4-FFF2-40B4-BE49-F238E27FC236}">
-                <a16:creationId xmlns:a16="http://schemas.microsoft.com/office/drawing/2014/main" id="{55BED5EB-9323-49B2-9DEA-5F6F5AA9EEA7}"/>
-              </a:ext>
-            </a:extLst>
-          </p:cNvPr>
-          <p:cNvSpPr/>
-          <p:nvPr/>
-        </p:nvSpPr>
-        <p:spPr>
-          <a:xfrm>
-            <a:off x="1348160" y="1763757"/>
-            <a:ext cx="2896997" cy="371152"/>
-          </a:xfrm>
-          <a:prstGeom prst="rect">
-            <a:avLst/>
-          </a:prstGeom>
-          <a:noFill/>
-        </p:spPr>
-        <p:txBody>
-          <a:bodyPr wrap="none" lIns="48602" tIns="24301" rIns="48602" bIns="24301">
-            <a:spAutoFit/>
-          </a:bodyPr>
-          <a:lstStyle/>
-          <a:p>
-            <a:pPr algn="ctr"/>
-            <a:r>
-              <a:rPr lang="ko-KR" altLang="en-US" sz="2093" dirty="0">
+        <p:grpSp>
+          <p:nvGrpSpPr>
+            <p:cNvPr id="13" name="그룹 12">
+              <a:extLst>
+                <a:ext uri="{FF2B5EF4-FFF2-40B4-BE49-F238E27FC236}">
+                  <a16:creationId xmlns:a16="http://schemas.microsoft.com/office/drawing/2014/main" id="{3DC068F2-EAEC-45D0-877A-74317C9BD2F6}"/>
+                </a:ext>
+              </a:extLst>
+            </p:cNvPr>
+            <p:cNvGrpSpPr/>
+            <p:nvPr/>
+          </p:nvGrpSpPr>
+          <p:grpSpPr>
+            <a:xfrm>
+              <a:off x="-6934148" y="2568194"/>
+              <a:ext cx="4762500" cy="4855584"/>
+              <a:chOff x="-5595547" y="2478666"/>
+              <a:chExt cx="4762500" cy="4855584"/>
+            </a:xfrm>
+          </p:grpSpPr>
+          <p:pic>
+            <p:nvPicPr>
+              <p:cNvPr id="2" name="Picture 2" descr="대한민국 지도 크게 보기 * 대한민국 전도,전체지도 | 지도, 아티스트, 일러스트 지도">
+                <a:extLst>
+                  <a:ext uri="{FF2B5EF4-FFF2-40B4-BE49-F238E27FC236}">
+                    <a16:creationId xmlns:a16="http://schemas.microsoft.com/office/drawing/2014/main" id="{EADECA40-7DC1-4A0A-9E30-02D36B9AB2B6}"/>
+                  </a:ext>
+                </a:extLst>
+              </p:cNvPr>
+              <p:cNvPicPr>
+                <a:picLocks noChangeAspect="1" noChangeArrowheads="1"/>
+              </p:cNvPicPr>
+              <p:nvPr/>
+            </p:nvPicPr>
+            <p:blipFill>
+              <a:blip r:embed="rId2">
+                <a:extLst>
+                  <a:ext uri="{BEBA8EAE-BF5A-486C-A8C5-ECC9F3942E4B}">
+                    <a14:imgProps xmlns:a14="http://schemas.microsoft.com/office/drawing/2010/main">
+                      <a14:imgLayer r:embed="rId3">
+                        <a14:imgEffect>
+                          <a14:backgroundRemoval t="4400" b="96600" l="10000" r="90000">
+                            <a14:foregroundMark x1="38400" y1="30600" x2="38400" y2="30600"/>
+                            <a14:foregroundMark x1="67200" y1="8400" x2="67200" y2="8400"/>
+                            <a14:foregroundMark x1="65600" y1="4400" x2="65600" y2="4400"/>
+                            <a14:foregroundMark x1="73000" y1="55600" x2="73000" y2="55600"/>
+                            <a14:foregroundMark x1="80200" y1="57800" x2="80200" y2="57800"/>
+                            <a14:foregroundMark x1="39600" y1="96600" x2="39600" y2="96600"/>
+                          </a14:backgroundRemoval>
+                        </a14:imgEffect>
+                      </a14:imgLayer>
+                    </a14:imgProps>
+                  </a:ext>
+                  <a:ext uri="{28A0092B-C50C-407E-A947-70E740481C1C}">
+                    <a14:useLocalDpi xmlns:a14="http://schemas.microsoft.com/office/drawing/2010/main" val="0"/>
+                  </a:ext>
+                </a:extLst>
+              </a:blip>
+              <a:srcRect/>
+              <a:stretch>
+                <a:fillRect/>
+              </a:stretch>
+            </p:blipFill>
+            <p:spPr bwMode="auto">
+              <a:xfrm>
+                <a:off x="-5595547" y="2478666"/>
+                <a:ext cx="4762500" cy="4762500"/>
+              </a:xfrm>
+              <a:prstGeom prst="rect">
+                <a:avLst/>
+              </a:prstGeom>
+              <a:noFill/>
+              <a:extLst>
+                <a:ext uri="{909E8E84-426E-40DD-AFC4-6F175D3DCCD1}">
+                  <a14:hiddenFill xmlns:a14="http://schemas.microsoft.com/office/drawing/2010/main">
+                    <a:solidFill>
+                      <a:srgbClr val="FFFFFF"/>
+                    </a:solidFill>
+                  </a14:hiddenFill>
+                </a:ext>
+              </a:extLst>
+            </p:spPr>
+          </p:pic>
+          <p:sp>
+            <p:nvSpPr>
+              <p:cNvPr id="11" name="직사각형 10">
+                <a:extLst>
+                  <a:ext uri="{FF2B5EF4-FFF2-40B4-BE49-F238E27FC236}">
+                    <a16:creationId xmlns:a16="http://schemas.microsoft.com/office/drawing/2014/main" id="{DFB06144-2F84-4482-8A4A-66E5744EE2AB}"/>
+                  </a:ext>
+                </a:extLst>
+              </p:cNvPr>
+              <p:cNvSpPr/>
+              <p:nvPr/>
+            </p:nvSpPr>
+            <p:spPr>
+              <a:xfrm>
+                <a:off x="-4584297" y="2571750"/>
+                <a:ext cx="3172673" cy="4762500"/>
+              </a:xfrm>
+              <a:prstGeom prst="rect">
+                <a:avLst/>
+              </a:prstGeom>
+              <a:solidFill>
+                <a:srgbClr val="E6E6E6">
+                  <a:alpha val="70000"/>
+                </a:srgbClr>
+              </a:solidFill>
+              <a:ln>
+                <a:noFill/>
+              </a:ln>
+            </p:spPr>
+            <p:style>
+              <a:lnRef idx="2">
+                <a:schemeClr val="accent1">
+                  <a:shade val="50000"/>
+                </a:schemeClr>
+              </a:lnRef>
+              <a:fillRef idx="1">
+                <a:schemeClr val="accent1"/>
+              </a:fillRef>
+              <a:effectRef idx="0">
+                <a:schemeClr val="accent1"/>
+              </a:effectRef>
+              <a:fontRef idx="minor">
+                <a:schemeClr val="lt1"/>
+              </a:fontRef>
+            </p:style>
+            <p:txBody>
+              <a:bodyPr rtlCol="0" anchor="ctr"/>
+              <a:lstStyle/>
+              <a:p>
+                <a:pPr algn="ctr"/>
+                <a:endParaRPr lang="ko-KR" altLang="en-US" dirty="0">
+                  <a:solidFill>
+                    <a:schemeClr val="tx1"/>
+                  </a:solidFill>
+                </a:endParaRPr>
+              </a:p>
+            </p:txBody>
+          </p:sp>
+        </p:grpSp>
+        <p:pic>
+          <p:nvPicPr>
+            <p:cNvPr id="12" name="그래픽 11" descr="성 장면">
+              <a:extLst>
+                <a:ext uri="{FF2B5EF4-FFF2-40B4-BE49-F238E27FC236}">
+                  <a16:creationId xmlns:a16="http://schemas.microsoft.com/office/drawing/2014/main" id="{D89EED43-C8B9-43EA-977A-7954D4331205}"/>
+                </a:ext>
+              </a:extLst>
+            </p:cNvPr>
+            <p:cNvPicPr>
+              <a:picLocks noChangeAspect="1"/>
+            </p:cNvPicPr>
+            <p:nvPr/>
+          </p:nvPicPr>
+          <p:blipFill>
+            <a:blip r:embed="rId4">
+              <a:extLst>
+                <a:ext uri="{28A0092B-C50C-407E-A947-70E740481C1C}">
+                  <a14:useLocalDpi xmlns:a14="http://schemas.microsoft.com/office/drawing/2010/main" val="0"/>
+                </a:ext>
+                <a:ext uri="{96DAC541-7B7A-43D3-8B79-37D633B846F1}">
+                  <asvg:svgBlip xmlns:asvg="http://schemas.microsoft.com/office/drawing/2016/SVG/main" r:embed="rId5"/>
+                </a:ext>
+              </a:extLst>
+            </a:blip>
+            <a:stretch>
+              <a:fillRect/>
+            </a:stretch>
+          </p:blipFill>
+          <p:spPr>
+            <a:xfrm>
+              <a:off x="-2596802" y="2940129"/>
+              <a:ext cx="596892" cy="640004"/>
+            </a:xfrm>
+            <a:prstGeom prst="rect">
+              <a:avLst/>
+            </a:prstGeom>
+          </p:spPr>
+        </p:pic>
+        <p:pic>
+          <p:nvPicPr>
+            <p:cNvPr id="14" name="그래픽 13" descr="핀 있는 지도">
+              <a:extLst>
+                <a:ext uri="{FF2B5EF4-FFF2-40B4-BE49-F238E27FC236}">
+                  <a16:creationId xmlns:a16="http://schemas.microsoft.com/office/drawing/2014/main" id="{F0B40069-A9F6-4D21-921A-05037DC83B8D}"/>
+                </a:ext>
+              </a:extLst>
+            </p:cNvPr>
+            <p:cNvPicPr>
+              <a:picLocks noChangeAspect="1"/>
+            </p:cNvPicPr>
+            <p:nvPr/>
+          </p:nvPicPr>
+          <p:blipFill>
+            <a:blip r:embed="rId6">
+              <a:extLst>
+                <a:ext uri="{28A0092B-C50C-407E-A947-70E740481C1C}">
+                  <a14:useLocalDpi xmlns:a14="http://schemas.microsoft.com/office/drawing/2010/main" val="0"/>
+                </a:ext>
+                <a:ext uri="{96DAC541-7B7A-43D3-8B79-37D633B846F1}">
+                  <asvg:svgBlip xmlns:asvg="http://schemas.microsoft.com/office/drawing/2016/SVG/main" r:embed="rId7"/>
+                </a:ext>
+              </a:extLst>
+            </a:blip>
+            <a:stretch>
+              <a:fillRect/>
+            </a:stretch>
+          </p:blipFill>
+          <p:spPr>
+            <a:xfrm>
+              <a:off x="-7216777" y="4206985"/>
+              <a:ext cx="587259" cy="629675"/>
+            </a:xfrm>
+            <a:prstGeom prst="rect">
+              <a:avLst/>
+            </a:prstGeom>
+          </p:spPr>
+        </p:pic>
+        <p:pic>
+          <p:nvPicPr>
+            <p:cNvPr id="16" name="그래픽 15" descr="불꽃놀이">
+              <a:extLst>
+                <a:ext uri="{FF2B5EF4-FFF2-40B4-BE49-F238E27FC236}">
+                  <a16:creationId xmlns:a16="http://schemas.microsoft.com/office/drawing/2014/main" id="{2195A7B3-0D64-4950-84B9-ECAD5359B06B}"/>
+                </a:ext>
+              </a:extLst>
+            </p:cNvPr>
+            <p:cNvPicPr>
+              <a:picLocks noChangeAspect="1"/>
+            </p:cNvPicPr>
+            <p:nvPr/>
+          </p:nvPicPr>
+          <p:blipFill>
+            <a:blip r:embed="rId8">
+              <a:extLst>
+                <a:ext uri="{28A0092B-C50C-407E-A947-70E740481C1C}">
+                  <a14:useLocalDpi xmlns:a14="http://schemas.microsoft.com/office/drawing/2010/main" val="0"/>
+                </a:ext>
+                <a:ext uri="{96DAC541-7B7A-43D3-8B79-37D633B846F1}">
+                  <asvg:svgBlip xmlns:asvg="http://schemas.microsoft.com/office/drawing/2016/SVG/main" r:embed="rId9"/>
+                </a:ext>
+              </a:extLst>
+            </a:blip>
+            <a:stretch>
+              <a:fillRect/>
+            </a:stretch>
+          </p:blipFill>
+          <p:spPr>
+            <a:xfrm>
+              <a:off x="-2593385" y="5457415"/>
+              <a:ext cx="596892" cy="640004"/>
+            </a:xfrm>
+            <a:prstGeom prst="rect">
+              <a:avLst/>
+            </a:prstGeom>
+          </p:spPr>
+        </p:pic>
+        <p:pic>
+          <p:nvPicPr>
+            <p:cNvPr id="18" name="그래픽 17" descr="컴퍼스">
+              <a:extLst>
+                <a:ext uri="{FF2B5EF4-FFF2-40B4-BE49-F238E27FC236}">
+                  <a16:creationId xmlns:a16="http://schemas.microsoft.com/office/drawing/2014/main" id="{B6D565E8-490B-4AD8-AA65-5C2A61A1F480}"/>
+                </a:ext>
+              </a:extLst>
+            </p:cNvPr>
+            <p:cNvPicPr>
+              <a:picLocks noChangeAspect="1"/>
+            </p:cNvPicPr>
+            <p:nvPr/>
+          </p:nvPicPr>
+          <p:blipFill>
+            <a:blip r:embed="rId10">
+              <a:extLst>
+                <a:ext uri="{28A0092B-C50C-407E-A947-70E740481C1C}">
+                  <a14:useLocalDpi xmlns:a14="http://schemas.microsoft.com/office/drawing/2010/main" val="0"/>
+                </a:ext>
+                <a:ext uri="{96DAC541-7B7A-43D3-8B79-37D633B846F1}">
+                  <asvg:svgBlip xmlns:asvg="http://schemas.microsoft.com/office/drawing/2016/SVG/main" r:embed="rId11"/>
+                </a:ext>
+              </a:extLst>
+            </a:blip>
+            <a:stretch>
+              <a:fillRect/>
+            </a:stretch>
+          </p:blipFill>
+          <p:spPr>
+            <a:xfrm>
+              <a:off x="-7210235" y="6716509"/>
+              <a:ext cx="596892" cy="640004"/>
+            </a:xfrm>
+            <a:prstGeom prst="rect">
+              <a:avLst/>
+            </a:prstGeom>
+          </p:spPr>
+        </p:pic>
+        <p:sp>
+          <p:nvSpPr>
+            <p:cNvPr id="23" name="직사각형 22">
+              <a:extLst>
+                <a:ext uri="{FF2B5EF4-FFF2-40B4-BE49-F238E27FC236}">
+                  <a16:creationId xmlns:a16="http://schemas.microsoft.com/office/drawing/2014/main" id="{AA682781-5774-4B5E-A9A9-51DF42BFEF35}"/>
+                </a:ext>
+              </a:extLst>
+            </p:cNvPr>
+            <p:cNvSpPr/>
+            <p:nvPr/>
+          </p:nvSpPr>
+          <p:spPr>
+            <a:xfrm>
+              <a:off x="-6730499" y="1673273"/>
+              <a:ext cx="4355203" cy="769441"/>
+            </a:xfrm>
+            <a:prstGeom prst="rect">
+              <a:avLst/>
+            </a:prstGeom>
+            <a:noFill/>
+          </p:spPr>
+          <p:txBody>
+            <a:bodyPr wrap="square" lIns="91440" tIns="45720" rIns="91440" bIns="45720">
+              <a:spAutoFit/>
+            </a:bodyPr>
+            <a:lstStyle/>
+            <a:p>
+              <a:pPr algn="ctr"/>
+              <a:r>
+                <a:rPr lang="en-US" altLang="ko-KR" sz="4400" dirty="0" err="1">
+                  <a:ln w="0"/>
+                  <a:effectLst>
+                    <a:outerShdw blurRad="38100" dist="19050" dir="2700000" algn="tl" rotWithShape="0">
+                      <a:schemeClr val="dk1">
+                        <a:alpha val="40000"/>
+                      </a:schemeClr>
+                    </a:outerShdw>
+                  </a:effectLst>
+                </a:rPr>
+                <a:t>Eztravel</a:t>
+              </a:r>
+              <a:r>
+                <a:rPr lang="ko-KR" altLang="en-US" sz="4400" dirty="0">
+                  <a:ln w="0"/>
+                  <a:effectLst>
+                    <a:outerShdw blurRad="38100" dist="19050" dir="2700000" algn="tl" rotWithShape="0">
+                      <a:schemeClr val="dk1">
+                        <a:alpha val="40000"/>
+                      </a:schemeClr>
+                    </a:outerShdw>
+                  </a:effectLst>
+                </a:rPr>
+                <a:t> 사용방법</a:t>
+              </a:r>
+              <a:endParaRPr lang="en-US" altLang="ko-KR" sz="4400" dirty="0">
                 <a:ln w="0"/>
                 <a:effectLst>
                   <a:outerShdw blurRad="38100" dist="19050" dir="2700000" algn="tl" rotWithShape="0">
@@ -3241,414 +3416,613 @@
                     </a:schemeClr>
                   </a:outerShdw>
                 </a:effectLst>
-              </a:rPr>
-              <a:t>이미지를 업로드 하세요</a:t>
-            </a:r>
-            <a:endParaRPr lang="en-US" altLang="ko-KR" sz="2093" dirty="0">
-              <a:ln w="0"/>
-              <a:effectLst>
-                <a:outerShdw blurRad="38100" dist="19050" dir="2700000" algn="tl" rotWithShape="0">
-                  <a:schemeClr val="dk1">
-                    <a:alpha val="40000"/>
-                  </a:schemeClr>
-                </a:outerShdw>
-              </a:effectLst>
-            </a:endParaRPr>
-          </a:p>
-        </p:txBody>
-      </p:sp>
-      <p:sp>
-        <p:nvSpPr>
-          <p:cNvPr id="6" name="직사각형 5">
-            <a:extLst>
-              <a:ext uri="{FF2B5EF4-FFF2-40B4-BE49-F238E27FC236}">
-                <a16:creationId xmlns:a16="http://schemas.microsoft.com/office/drawing/2014/main" id="{7FD69520-AA41-4CE8-ACB7-98EF5CB0F879}"/>
-              </a:ext>
-            </a:extLst>
-          </p:cNvPr>
-          <p:cNvSpPr/>
-          <p:nvPr/>
-        </p:nvSpPr>
-        <p:spPr>
-          <a:xfrm>
-            <a:off x="2276394" y="2934489"/>
-            <a:ext cx="3225612" cy="371152"/>
-          </a:xfrm>
-          <a:prstGeom prst="rect">
-            <a:avLst/>
-          </a:prstGeom>
-          <a:noFill/>
-        </p:spPr>
-        <p:txBody>
-          <a:bodyPr wrap="none" lIns="48602" tIns="24301" rIns="48602" bIns="24301">
-            <a:spAutoFit/>
-          </a:bodyPr>
-          <a:lstStyle/>
-          <a:p>
-            <a:pPr algn="ctr"/>
-            <a:r>
-              <a:rPr lang="ko-KR" altLang="en-US" sz="2093" dirty="0">
-                <a:ln w="0"/>
-                <a:effectLst>
-                  <a:outerShdw blurRad="38100" dist="19050" dir="2700000" algn="tl" rotWithShape="0">
-                    <a:schemeClr val="dk1">
-                      <a:alpha val="40000"/>
-                    </a:schemeClr>
-                  </a:outerShdw>
-                </a:effectLst>
-              </a:rPr>
-              <a:t>사진 속 장소를 확인하세요</a:t>
-            </a:r>
-            <a:endParaRPr lang="en-US" altLang="ko-KR" sz="2093" dirty="0">
-              <a:ln w="0"/>
-              <a:effectLst>
-                <a:outerShdw blurRad="38100" dist="19050" dir="2700000" algn="tl" rotWithShape="0">
-                  <a:schemeClr val="dk1">
-                    <a:alpha val="40000"/>
-                  </a:schemeClr>
-                </a:outerShdw>
-              </a:effectLst>
-            </a:endParaRPr>
-          </a:p>
-        </p:txBody>
-      </p:sp>
-      <p:sp>
-        <p:nvSpPr>
-          <p:cNvPr id="8" name="직사각형 7">
-            <a:extLst>
-              <a:ext uri="{FF2B5EF4-FFF2-40B4-BE49-F238E27FC236}">
-                <a16:creationId xmlns:a16="http://schemas.microsoft.com/office/drawing/2014/main" id="{1BF81B79-F641-4F18-8589-681E3F19B223}"/>
-              </a:ext>
-            </a:extLst>
-          </p:cNvPr>
-          <p:cNvSpPr/>
-          <p:nvPr/>
-        </p:nvSpPr>
-        <p:spPr>
-          <a:xfrm>
-            <a:off x="1314828" y="4102975"/>
-            <a:ext cx="3493314" cy="371152"/>
-          </a:xfrm>
-          <a:prstGeom prst="rect">
-            <a:avLst/>
-          </a:prstGeom>
-          <a:noFill/>
-        </p:spPr>
-        <p:txBody>
-          <a:bodyPr wrap="none" lIns="48602" tIns="24301" rIns="48602" bIns="24301">
-            <a:spAutoFit/>
-          </a:bodyPr>
-          <a:lstStyle/>
-          <a:p>
-            <a:pPr algn="ctr"/>
-            <a:r>
-              <a:rPr lang="ko-KR" altLang="en-US" sz="2093" dirty="0">
-                <a:ln w="0"/>
-                <a:effectLst>
-                  <a:outerShdw blurRad="38100" dist="19050" dir="2700000" algn="tl" rotWithShape="0">
-                    <a:schemeClr val="dk1">
-                      <a:alpha val="40000"/>
-                    </a:schemeClr>
-                  </a:outerShdw>
-                </a:effectLst>
-              </a:rPr>
-              <a:t>주변 지역 정보를 확인하세요</a:t>
-            </a:r>
-            <a:endParaRPr lang="en-US" altLang="ko-KR" sz="2093" dirty="0">
-              <a:ln w="0"/>
-              <a:effectLst>
-                <a:outerShdw blurRad="38100" dist="19050" dir="2700000" algn="tl" rotWithShape="0">
-                  <a:schemeClr val="dk1">
-                    <a:alpha val="40000"/>
-                  </a:schemeClr>
-                </a:outerShdw>
-              </a:effectLst>
-            </a:endParaRPr>
-          </a:p>
-        </p:txBody>
-      </p:sp>
-      <p:sp>
-        <p:nvSpPr>
-          <p:cNvPr id="10" name="직사각형 9">
-            <a:extLst>
-              <a:ext uri="{FF2B5EF4-FFF2-40B4-BE49-F238E27FC236}">
-                <a16:creationId xmlns:a16="http://schemas.microsoft.com/office/drawing/2014/main" id="{72516694-ABA1-42F6-83A7-E5CE7DD795CD}"/>
-              </a:ext>
-            </a:extLst>
-          </p:cNvPr>
-          <p:cNvSpPr/>
-          <p:nvPr/>
-        </p:nvSpPr>
-        <p:spPr>
-          <a:xfrm>
-            <a:off x="2605009" y="5105279"/>
-            <a:ext cx="2896997" cy="371152"/>
-          </a:xfrm>
-          <a:prstGeom prst="rect">
-            <a:avLst/>
-          </a:prstGeom>
-          <a:noFill/>
-        </p:spPr>
-        <p:txBody>
-          <a:bodyPr wrap="none" lIns="48602" tIns="24301" rIns="48602" bIns="24301">
-            <a:spAutoFit/>
-          </a:bodyPr>
-          <a:lstStyle/>
-          <a:p>
-            <a:pPr algn="ctr"/>
-            <a:r>
-              <a:rPr lang="ko-KR" altLang="en-US" sz="2093" dirty="0">
-                <a:ln w="0"/>
-                <a:effectLst>
-                  <a:outerShdw blurRad="38100" dist="19050" dir="2700000" algn="tl" rotWithShape="0">
-                    <a:schemeClr val="dk1">
-                      <a:alpha val="40000"/>
-                    </a:schemeClr>
-                  </a:outerShdw>
-                </a:effectLst>
-              </a:rPr>
-              <a:t>여행 경로를 생성하세요</a:t>
-            </a:r>
-            <a:endParaRPr lang="en-US" altLang="ko-KR" sz="2093" dirty="0">
-              <a:ln w="0"/>
-              <a:effectLst>
-                <a:outerShdw blurRad="38100" dist="19050" dir="2700000" algn="tl" rotWithShape="0">
-                  <a:schemeClr val="dk1">
-                    <a:alpha val="40000"/>
-                  </a:schemeClr>
-                </a:outerShdw>
-              </a:effectLst>
-            </a:endParaRPr>
-          </a:p>
-        </p:txBody>
-      </p:sp>
-      <p:pic>
-        <p:nvPicPr>
-          <p:cNvPr id="12" name="그래픽 11" descr="성 장면">
-            <a:extLst>
-              <a:ext uri="{FF2B5EF4-FFF2-40B4-BE49-F238E27FC236}">
-                <a16:creationId xmlns:a16="http://schemas.microsoft.com/office/drawing/2014/main" id="{D89EED43-C8B9-43EA-977A-7954D4331205}"/>
-              </a:ext>
-            </a:extLst>
-          </p:cNvPr>
-          <p:cNvPicPr>
-            <a:picLocks noChangeAspect="1"/>
-          </p:cNvPicPr>
-          <p:nvPr/>
-        </p:nvPicPr>
-        <p:blipFill>
-          <a:blip r:embed="rId3">
-            <a:extLst>
-              <a:ext uri="{28A0092B-C50C-407E-A947-70E740481C1C}">
-                <a14:useLocalDpi xmlns:a14="http://schemas.microsoft.com/office/drawing/2010/main" val="0"/>
-              </a:ext>
-              <a:ext uri="{96DAC541-7B7A-43D3-8B79-37D633B846F1}">
-                <asvg:svgBlip xmlns:asvg="http://schemas.microsoft.com/office/drawing/2016/SVG/main" r:embed="rId4"/>
-              </a:ext>
-            </a:extLst>
-          </a:blip>
-          <a:stretch>
-            <a:fillRect/>
-          </a:stretch>
-        </p:blipFill>
-        <p:spPr>
-          <a:xfrm>
-            <a:off x="4907810" y="1650280"/>
-            <a:ext cx="598170" cy="598170"/>
-          </a:xfrm>
-          <a:prstGeom prst="rect">
-            <a:avLst/>
-          </a:prstGeom>
-        </p:spPr>
-      </p:pic>
-      <p:pic>
-        <p:nvPicPr>
-          <p:cNvPr id="14" name="그래픽 13" descr="핀 있는 지도">
-            <a:extLst>
-              <a:ext uri="{FF2B5EF4-FFF2-40B4-BE49-F238E27FC236}">
-                <a16:creationId xmlns:a16="http://schemas.microsoft.com/office/drawing/2014/main" id="{F0B40069-A9F6-4D21-921A-05037DC83B8D}"/>
-              </a:ext>
-            </a:extLst>
-          </p:cNvPr>
-          <p:cNvPicPr>
-            <a:picLocks noChangeAspect="1"/>
-          </p:cNvPicPr>
-          <p:nvPr/>
-        </p:nvPicPr>
-        <p:blipFill>
-          <a:blip r:embed="rId5">
-            <a:extLst>
-              <a:ext uri="{28A0092B-C50C-407E-A947-70E740481C1C}">
-                <a14:useLocalDpi xmlns:a14="http://schemas.microsoft.com/office/drawing/2010/main" val="0"/>
-              </a:ext>
-              <a:ext uri="{96DAC541-7B7A-43D3-8B79-37D633B846F1}">
-                <asvg:svgBlip xmlns:asvg="http://schemas.microsoft.com/office/drawing/2016/SVG/main" r:embed="rId6"/>
-              </a:ext>
-            </a:extLst>
-          </a:blip>
-          <a:stretch>
-            <a:fillRect/>
-          </a:stretch>
-        </p:blipFill>
-        <p:spPr>
-          <a:xfrm>
-            <a:off x="1360329" y="2821012"/>
-            <a:ext cx="598170" cy="598170"/>
-          </a:xfrm>
-          <a:prstGeom prst="rect">
-            <a:avLst/>
-          </a:prstGeom>
-        </p:spPr>
-      </p:pic>
-      <p:pic>
-        <p:nvPicPr>
-          <p:cNvPr id="16" name="그래픽 15" descr="불꽃놀이">
-            <a:extLst>
-              <a:ext uri="{FF2B5EF4-FFF2-40B4-BE49-F238E27FC236}">
-                <a16:creationId xmlns:a16="http://schemas.microsoft.com/office/drawing/2014/main" id="{2195A7B3-0D64-4950-84B9-ECAD5359B06B}"/>
-              </a:ext>
-            </a:extLst>
-          </p:cNvPr>
-          <p:cNvPicPr>
-            <a:picLocks noChangeAspect="1"/>
-          </p:cNvPicPr>
-          <p:nvPr/>
-        </p:nvPicPr>
-        <p:blipFill>
-          <a:blip r:embed="rId7">
-            <a:extLst>
-              <a:ext uri="{28A0092B-C50C-407E-A947-70E740481C1C}">
-                <a14:useLocalDpi xmlns:a14="http://schemas.microsoft.com/office/drawing/2010/main" val="0"/>
-              </a:ext>
-              <a:ext uri="{96DAC541-7B7A-43D3-8B79-37D633B846F1}">
-                <asvg:svgBlip xmlns:asvg="http://schemas.microsoft.com/office/drawing/2016/SVG/main" r:embed="rId8"/>
-              </a:ext>
-            </a:extLst>
-          </a:blip>
-          <a:stretch>
-            <a:fillRect/>
-          </a:stretch>
-        </p:blipFill>
-        <p:spPr>
-          <a:xfrm>
-            <a:off x="4907810" y="3989497"/>
-            <a:ext cx="598170" cy="598170"/>
-          </a:xfrm>
-          <a:prstGeom prst="rect">
-            <a:avLst/>
-          </a:prstGeom>
-        </p:spPr>
-      </p:pic>
-      <p:pic>
-        <p:nvPicPr>
-          <p:cNvPr id="18" name="그래픽 17" descr="컴퍼스">
-            <a:extLst>
-              <a:ext uri="{FF2B5EF4-FFF2-40B4-BE49-F238E27FC236}">
-                <a16:creationId xmlns:a16="http://schemas.microsoft.com/office/drawing/2014/main" id="{B6D565E8-490B-4AD8-AA65-5C2A61A1F480}"/>
-              </a:ext>
-            </a:extLst>
-          </p:cNvPr>
-          <p:cNvPicPr>
-            <a:picLocks noChangeAspect="1"/>
-          </p:cNvPicPr>
-          <p:nvPr/>
-        </p:nvPicPr>
-        <p:blipFill>
-          <a:blip r:embed="rId9">
-            <a:extLst>
-              <a:ext uri="{28A0092B-C50C-407E-A947-70E740481C1C}">
-                <a14:useLocalDpi xmlns:a14="http://schemas.microsoft.com/office/drawing/2010/main" val="0"/>
-              </a:ext>
-              <a:ext uri="{96DAC541-7B7A-43D3-8B79-37D633B846F1}">
-                <asvg:svgBlip xmlns:asvg="http://schemas.microsoft.com/office/drawing/2016/SVG/main" r:embed="rId10"/>
-              </a:ext>
-            </a:extLst>
-          </a:blip>
-          <a:stretch>
-            <a:fillRect/>
-          </a:stretch>
-        </p:blipFill>
-        <p:spPr>
-          <a:xfrm>
-            <a:off x="1423153" y="4983457"/>
-            <a:ext cx="598170" cy="598170"/>
-          </a:xfrm>
-          <a:prstGeom prst="rect">
-            <a:avLst/>
-          </a:prstGeom>
-        </p:spPr>
-      </p:pic>
-      <p:sp>
-        <p:nvSpPr>
-          <p:cNvPr id="23" name="직사각형 22">
-            <a:extLst>
-              <a:ext uri="{FF2B5EF4-FFF2-40B4-BE49-F238E27FC236}">
-                <a16:creationId xmlns:a16="http://schemas.microsoft.com/office/drawing/2014/main" id="{AA682781-5774-4B5E-A9A9-51DF42BFEF35}"/>
-              </a:ext>
-            </a:extLst>
-          </p:cNvPr>
-          <p:cNvSpPr/>
-          <p:nvPr/>
-        </p:nvSpPr>
-        <p:spPr>
-          <a:xfrm>
-            <a:off x="1246734" y="524937"/>
-            <a:ext cx="4364528" cy="769441"/>
-          </a:xfrm>
-          <a:prstGeom prst="rect">
-            <a:avLst/>
-          </a:prstGeom>
-          <a:noFill/>
-        </p:spPr>
-        <p:txBody>
-          <a:bodyPr wrap="none" lIns="91440" tIns="45720" rIns="91440" bIns="45720">
-            <a:spAutoFit/>
-          </a:bodyPr>
-          <a:lstStyle/>
-          <a:p>
-            <a:pPr algn="ctr"/>
-            <a:r>
-              <a:rPr lang="en-US" altLang="ko-KR" sz="4400" dirty="0" err="1">
-                <a:ln w="0"/>
-                <a:effectLst>
-                  <a:outerShdw blurRad="38100" dist="19050" dir="2700000" algn="tl" rotWithShape="0">
-                    <a:schemeClr val="dk1">
-                      <a:alpha val="40000"/>
-                    </a:schemeClr>
-                  </a:outerShdw>
-                </a:effectLst>
-              </a:rPr>
-              <a:t>Eztravel</a:t>
-            </a:r>
-            <a:r>
-              <a:rPr lang="ko-KR" altLang="en-US" sz="4400" dirty="0">
-                <a:ln w="0"/>
-                <a:effectLst>
-                  <a:outerShdw blurRad="38100" dist="19050" dir="2700000" algn="tl" rotWithShape="0">
-                    <a:schemeClr val="dk1">
-                      <a:alpha val="40000"/>
-                    </a:schemeClr>
-                  </a:outerShdw>
-                </a:effectLst>
-              </a:rPr>
-              <a:t> 사용방법</a:t>
-            </a:r>
-            <a:endParaRPr lang="en-US" altLang="ko-KR" sz="4400" b="0" cap="none" spc="0" dirty="0">
-              <a:ln w="0"/>
-              <a:solidFill>
-                <a:schemeClr val="tx1"/>
-              </a:solidFill>
-              <a:effectLst>
-                <a:outerShdw blurRad="38100" dist="19050" dir="2700000" algn="tl" rotWithShape="0">
-                  <a:schemeClr val="dk1">
-                    <a:alpha val="40000"/>
-                  </a:schemeClr>
-                </a:outerShdw>
-              </a:effectLst>
-            </a:endParaRPr>
-          </a:p>
-        </p:txBody>
-      </p:sp>
+              </a:endParaRPr>
+            </a:p>
+          </p:txBody>
+        </p:sp>
+        <p:grpSp>
+          <p:nvGrpSpPr>
+            <p:cNvPr id="3" name="그룹 2">
+              <a:extLst>
+                <a:ext uri="{FF2B5EF4-FFF2-40B4-BE49-F238E27FC236}">
+                  <a16:creationId xmlns:a16="http://schemas.microsoft.com/office/drawing/2014/main" id="{FE79EE22-2828-4D0E-AE06-3C21E8E3DD8D}"/>
+                </a:ext>
+              </a:extLst>
+            </p:cNvPr>
+            <p:cNvGrpSpPr/>
+            <p:nvPr/>
+          </p:nvGrpSpPr>
+          <p:grpSpPr>
+            <a:xfrm>
+              <a:off x="-7216777" y="2940129"/>
+              <a:ext cx="3978750" cy="641769"/>
+              <a:chOff x="-4544407" y="832996"/>
+              <a:chExt cx="3978750" cy="641769"/>
+            </a:xfrm>
+          </p:grpSpPr>
+          <p:sp>
+            <p:nvSpPr>
+              <p:cNvPr id="4" name="직사각형 3">
+                <a:extLst>
+                  <a:ext uri="{FF2B5EF4-FFF2-40B4-BE49-F238E27FC236}">
+                    <a16:creationId xmlns:a16="http://schemas.microsoft.com/office/drawing/2014/main" id="{55BED5EB-9323-49B2-9DEA-5F6F5AA9EEA7}"/>
+                  </a:ext>
+                </a:extLst>
+              </p:cNvPr>
+              <p:cNvSpPr/>
+              <p:nvPr/>
+            </p:nvSpPr>
+            <p:spPr>
+              <a:xfrm>
+                <a:off x="-4544407" y="832996"/>
+                <a:ext cx="2890807" cy="371152"/>
+              </a:xfrm>
+              <a:prstGeom prst="rect">
+                <a:avLst/>
+              </a:prstGeom>
+              <a:noFill/>
+            </p:spPr>
+            <p:txBody>
+              <a:bodyPr wrap="square" lIns="48602" tIns="24301" rIns="48602" bIns="24301">
+                <a:spAutoFit/>
+              </a:bodyPr>
+              <a:lstStyle/>
+              <a:p>
+                <a:pPr algn="ctr"/>
+                <a:r>
+                  <a:rPr lang="ko-KR" altLang="en-US" sz="2093" dirty="0">
+                    <a:ln w="0"/>
+                    <a:effectLst>
+                      <a:outerShdw blurRad="38100" dist="19050" dir="2700000" algn="tl" rotWithShape="0">
+                        <a:schemeClr val="dk1">
+                          <a:alpha val="40000"/>
+                        </a:schemeClr>
+                      </a:outerShdw>
+                    </a:effectLst>
+                  </a:rPr>
+                  <a:t>이미지를 업로드 하세요</a:t>
+                </a:r>
+                <a:endParaRPr lang="en-US" altLang="ko-KR" sz="2093" dirty="0">
+                  <a:ln w="0"/>
+                  <a:effectLst>
+                    <a:outerShdw blurRad="38100" dist="19050" dir="2700000" algn="tl" rotWithShape="0">
+                      <a:schemeClr val="dk1">
+                        <a:alpha val="40000"/>
+                      </a:schemeClr>
+                    </a:outerShdw>
+                  </a:effectLst>
+                </a:endParaRPr>
+              </a:p>
+            </p:txBody>
+          </p:sp>
+          <p:sp>
+            <p:nvSpPr>
+              <p:cNvPr id="17" name="직사각형 16">
+                <a:extLst>
+                  <a:ext uri="{FF2B5EF4-FFF2-40B4-BE49-F238E27FC236}">
+                    <a16:creationId xmlns:a16="http://schemas.microsoft.com/office/drawing/2014/main" id="{433F91D1-FD4A-4F35-B011-1CBE62811642}"/>
+                  </a:ext>
+                </a:extLst>
+              </p:cNvPr>
+              <p:cNvSpPr/>
+              <p:nvPr/>
+            </p:nvSpPr>
+            <p:spPr>
+              <a:xfrm>
+                <a:off x="-4544407" y="1210245"/>
+                <a:ext cx="3978750" cy="264520"/>
+              </a:xfrm>
+              <a:prstGeom prst="rect">
+                <a:avLst/>
+              </a:prstGeom>
+              <a:noFill/>
+            </p:spPr>
+            <p:txBody>
+              <a:bodyPr wrap="square" lIns="48602" tIns="24301" rIns="48602" bIns="24301">
+                <a:spAutoFit/>
+              </a:bodyPr>
+              <a:lstStyle/>
+              <a:p>
+                <a:pPr algn="ctr"/>
+                <a:r>
+                  <a:rPr lang="en-US" altLang="ko-KR" sz="1400" dirty="0">
+                    <a:ln w="0"/>
+                    <a:effectLst>
+                      <a:outerShdw blurRad="38100" dist="19050" dir="2700000" algn="tl" rotWithShape="0">
+                        <a:schemeClr val="dk1">
+                          <a:alpha val="40000"/>
+                        </a:schemeClr>
+                      </a:outerShdw>
+                    </a:effectLst>
+                  </a:rPr>
+                  <a:t>- </a:t>
+                </a:r>
+                <a:r>
+                  <a:rPr lang="ko-KR" altLang="en-US" sz="1400" dirty="0">
+                    <a:ln w="0"/>
+                    <a:effectLst>
+                      <a:outerShdw blurRad="38100" dist="19050" dir="2700000" algn="tl" rotWithShape="0">
+                        <a:schemeClr val="dk1">
+                          <a:alpha val="40000"/>
+                        </a:schemeClr>
+                      </a:outerShdw>
+                    </a:effectLst>
+                  </a:rPr>
+                  <a:t>위치를 확인하고 싶은 이미지를 업로드 해주세요</a:t>
+                </a:r>
+                <a:endParaRPr lang="en-US" altLang="ko-KR" sz="1400" dirty="0">
+                  <a:ln w="0"/>
+                  <a:effectLst>
+                    <a:outerShdw blurRad="38100" dist="19050" dir="2700000" algn="tl" rotWithShape="0">
+                      <a:schemeClr val="dk1">
+                        <a:alpha val="40000"/>
+                      </a:schemeClr>
+                    </a:outerShdw>
+                  </a:effectLst>
+                </a:endParaRPr>
+              </a:p>
+            </p:txBody>
+          </p:sp>
+        </p:grpSp>
+        <p:grpSp>
+          <p:nvGrpSpPr>
+            <p:cNvPr id="5" name="그룹 4">
+              <a:extLst>
+                <a:ext uri="{FF2B5EF4-FFF2-40B4-BE49-F238E27FC236}">
+                  <a16:creationId xmlns:a16="http://schemas.microsoft.com/office/drawing/2014/main" id="{414A7D76-D53C-4E17-8BC2-1ADC5E124848}"/>
+                </a:ext>
+              </a:extLst>
+            </p:cNvPr>
+            <p:cNvGrpSpPr/>
+            <p:nvPr/>
+          </p:nvGrpSpPr>
+          <p:grpSpPr>
+            <a:xfrm>
+              <a:off x="-5234486" y="4206985"/>
+              <a:ext cx="3234576" cy="629675"/>
+              <a:chOff x="-4394646" y="2285428"/>
+              <a:chExt cx="3234576" cy="629675"/>
+            </a:xfrm>
+          </p:grpSpPr>
+          <p:sp>
+            <p:nvSpPr>
+              <p:cNvPr id="6" name="직사각형 5">
+                <a:extLst>
+                  <a:ext uri="{FF2B5EF4-FFF2-40B4-BE49-F238E27FC236}">
+                    <a16:creationId xmlns:a16="http://schemas.microsoft.com/office/drawing/2014/main" id="{7FD69520-AA41-4CE8-ACB7-98EF5CB0F879}"/>
+                  </a:ext>
+                </a:extLst>
+              </p:cNvPr>
+              <p:cNvSpPr/>
+              <p:nvPr/>
+            </p:nvSpPr>
+            <p:spPr>
+              <a:xfrm>
+                <a:off x="-4394646" y="2285428"/>
+                <a:ext cx="3218719" cy="371152"/>
+              </a:xfrm>
+              <a:prstGeom prst="rect">
+                <a:avLst/>
+              </a:prstGeom>
+              <a:noFill/>
+            </p:spPr>
+            <p:txBody>
+              <a:bodyPr wrap="square" lIns="48602" tIns="24301" rIns="48602" bIns="24301">
+                <a:spAutoFit/>
+              </a:bodyPr>
+              <a:lstStyle/>
+              <a:p>
+                <a:pPr algn="ctr"/>
+                <a:r>
+                  <a:rPr lang="ko-KR" altLang="en-US" sz="2093" dirty="0">
+                    <a:ln w="0"/>
+                    <a:effectLst>
+                      <a:outerShdw blurRad="38100" dist="19050" dir="2700000" algn="tl" rotWithShape="0">
+                        <a:schemeClr val="dk1">
+                          <a:alpha val="40000"/>
+                        </a:schemeClr>
+                      </a:outerShdw>
+                    </a:effectLst>
+                  </a:rPr>
+                  <a:t>사진 속 장소를 확인하세요</a:t>
+                </a:r>
+                <a:endParaRPr lang="en-US" altLang="ko-KR" sz="2093" dirty="0">
+                  <a:ln w="0"/>
+                  <a:effectLst>
+                    <a:outerShdw blurRad="38100" dist="19050" dir="2700000" algn="tl" rotWithShape="0">
+                      <a:schemeClr val="dk1">
+                        <a:alpha val="40000"/>
+                      </a:schemeClr>
+                    </a:outerShdw>
+                  </a:effectLst>
+                </a:endParaRPr>
+              </a:p>
+            </p:txBody>
+          </p:sp>
+          <p:sp>
+            <p:nvSpPr>
+              <p:cNvPr id="19" name="직사각형 18">
+                <a:extLst>
+                  <a:ext uri="{FF2B5EF4-FFF2-40B4-BE49-F238E27FC236}">
+                    <a16:creationId xmlns:a16="http://schemas.microsoft.com/office/drawing/2014/main" id="{D6B629A9-BC11-40A6-A972-4F6EFB3C5AC2}"/>
+                  </a:ext>
+                </a:extLst>
+              </p:cNvPr>
+              <p:cNvSpPr/>
+              <p:nvPr/>
+            </p:nvSpPr>
+            <p:spPr>
+              <a:xfrm>
+                <a:off x="-4394646" y="2650583"/>
+                <a:ext cx="3234576" cy="264520"/>
+              </a:xfrm>
+              <a:prstGeom prst="rect">
+                <a:avLst/>
+              </a:prstGeom>
+              <a:noFill/>
+            </p:spPr>
+            <p:txBody>
+              <a:bodyPr wrap="square" lIns="48602" tIns="24301" rIns="48602" bIns="24301">
+                <a:spAutoFit/>
+              </a:bodyPr>
+              <a:lstStyle/>
+              <a:p>
+                <a:pPr algn="ctr"/>
+                <a:r>
+                  <a:rPr lang="en-US" altLang="ko-KR" sz="1400" dirty="0">
+                    <a:ln w="0"/>
+                    <a:effectLst>
+                      <a:outerShdw blurRad="38100" dist="19050" dir="2700000" algn="tl" rotWithShape="0">
+                        <a:schemeClr val="dk1">
+                          <a:alpha val="40000"/>
+                        </a:schemeClr>
+                      </a:outerShdw>
+                    </a:effectLst>
+                  </a:rPr>
+                  <a:t>-</a:t>
+                </a:r>
+                <a:r>
+                  <a:rPr lang="ko-KR" altLang="en-US" sz="1400" dirty="0">
+                    <a:ln w="0"/>
+                    <a:effectLst>
+                      <a:outerShdw blurRad="38100" dist="19050" dir="2700000" algn="tl" rotWithShape="0">
+                        <a:schemeClr val="dk1">
+                          <a:alpha val="40000"/>
+                        </a:schemeClr>
+                      </a:outerShdw>
+                    </a:effectLst>
+                  </a:rPr>
+                  <a:t>이미지 속 장소의 이름을 확인 해주세요</a:t>
+                </a:r>
+                <a:endParaRPr lang="en-US" altLang="ko-KR" sz="1400" dirty="0">
+                  <a:ln w="0"/>
+                  <a:effectLst>
+                    <a:outerShdw blurRad="38100" dist="19050" dir="2700000" algn="tl" rotWithShape="0">
+                      <a:schemeClr val="dk1">
+                        <a:alpha val="40000"/>
+                      </a:schemeClr>
+                    </a:outerShdw>
+                  </a:effectLst>
+                </a:endParaRPr>
+              </a:p>
+            </p:txBody>
+          </p:sp>
+        </p:grpSp>
+        <p:grpSp>
+          <p:nvGrpSpPr>
+            <p:cNvPr id="7" name="그룹 6">
+              <a:extLst>
+                <a:ext uri="{FF2B5EF4-FFF2-40B4-BE49-F238E27FC236}">
+                  <a16:creationId xmlns:a16="http://schemas.microsoft.com/office/drawing/2014/main" id="{C06178E2-ADE0-49D5-BE2A-08826033264D}"/>
+                </a:ext>
+              </a:extLst>
+            </p:cNvPr>
+            <p:cNvGrpSpPr/>
+            <p:nvPr/>
+          </p:nvGrpSpPr>
+          <p:grpSpPr>
+            <a:xfrm>
+              <a:off x="-7215103" y="5461747"/>
+              <a:ext cx="4107297" cy="635672"/>
+              <a:chOff x="-4778821" y="272998"/>
+              <a:chExt cx="4107297" cy="635672"/>
+            </a:xfrm>
+          </p:grpSpPr>
+          <p:sp>
+            <p:nvSpPr>
+              <p:cNvPr id="8" name="직사각형 7">
+                <a:extLst>
+                  <a:ext uri="{FF2B5EF4-FFF2-40B4-BE49-F238E27FC236}">
+                    <a16:creationId xmlns:a16="http://schemas.microsoft.com/office/drawing/2014/main" id="{1BF81B79-F641-4F18-8589-681E3F19B223}"/>
+                  </a:ext>
+                </a:extLst>
+              </p:cNvPr>
+              <p:cNvSpPr/>
+              <p:nvPr/>
+            </p:nvSpPr>
+            <p:spPr>
+              <a:xfrm>
+                <a:off x="-4778821" y="272998"/>
+                <a:ext cx="3485849" cy="371152"/>
+              </a:xfrm>
+              <a:prstGeom prst="rect">
+                <a:avLst/>
+              </a:prstGeom>
+              <a:noFill/>
+            </p:spPr>
+            <p:txBody>
+              <a:bodyPr wrap="square" lIns="48602" tIns="24301" rIns="48602" bIns="24301">
+                <a:spAutoFit/>
+              </a:bodyPr>
+              <a:lstStyle/>
+              <a:p>
+                <a:pPr algn="ctr"/>
+                <a:r>
+                  <a:rPr lang="ko-KR" altLang="en-US" sz="2093" dirty="0">
+                    <a:ln w="0"/>
+                    <a:effectLst>
+                      <a:outerShdw blurRad="38100" dist="19050" dir="2700000" algn="tl" rotWithShape="0">
+                        <a:schemeClr val="dk1">
+                          <a:alpha val="40000"/>
+                        </a:schemeClr>
+                      </a:outerShdw>
+                    </a:effectLst>
+                  </a:rPr>
+                  <a:t>주변 지역 정보를 확인하세요</a:t>
+                </a:r>
+                <a:endParaRPr lang="en-US" altLang="ko-KR" sz="2093" dirty="0">
+                  <a:ln w="0"/>
+                  <a:effectLst>
+                    <a:outerShdw blurRad="38100" dist="19050" dir="2700000" algn="tl" rotWithShape="0">
+                      <a:schemeClr val="dk1">
+                        <a:alpha val="40000"/>
+                      </a:schemeClr>
+                    </a:outerShdw>
+                  </a:effectLst>
+                </a:endParaRPr>
+              </a:p>
+            </p:txBody>
+          </p:sp>
+          <p:sp>
+            <p:nvSpPr>
+              <p:cNvPr id="20" name="직사각형 19">
+                <a:extLst>
+                  <a:ext uri="{FF2B5EF4-FFF2-40B4-BE49-F238E27FC236}">
+                    <a16:creationId xmlns:a16="http://schemas.microsoft.com/office/drawing/2014/main" id="{CD3EDC97-A674-400E-80BC-958D321CE216}"/>
+                  </a:ext>
+                </a:extLst>
+              </p:cNvPr>
+              <p:cNvSpPr/>
+              <p:nvPr/>
+            </p:nvSpPr>
+            <p:spPr>
+              <a:xfrm>
+                <a:off x="-4773953" y="644150"/>
+                <a:ext cx="4102429" cy="264520"/>
+              </a:xfrm>
+              <a:prstGeom prst="rect">
+                <a:avLst/>
+              </a:prstGeom>
+              <a:noFill/>
+            </p:spPr>
+            <p:txBody>
+              <a:bodyPr wrap="square" lIns="48602" tIns="24301" rIns="48602" bIns="24301">
+                <a:spAutoFit/>
+              </a:bodyPr>
+              <a:lstStyle/>
+              <a:p>
+                <a:pPr algn="ctr"/>
+                <a:r>
+                  <a:rPr lang="en-US" altLang="ko-KR" sz="1400" dirty="0">
+                    <a:ln w="0"/>
+                    <a:effectLst>
+                      <a:outerShdw blurRad="38100" dist="19050" dir="2700000" algn="tl" rotWithShape="0">
+                        <a:schemeClr val="dk1">
+                          <a:alpha val="40000"/>
+                        </a:schemeClr>
+                      </a:outerShdw>
+                    </a:effectLst>
+                  </a:rPr>
+                  <a:t>-</a:t>
+                </a:r>
+                <a:r>
+                  <a:rPr lang="ko-KR" altLang="en-US" sz="1400" dirty="0">
+                    <a:ln w="0"/>
+                    <a:effectLst>
+                      <a:outerShdw blurRad="38100" dist="19050" dir="2700000" algn="tl" rotWithShape="0">
+                        <a:schemeClr val="dk1">
+                          <a:alpha val="40000"/>
+                        </a:schemeClr>
+                      </a:outerShdw>
+                    </a:effectLst>
+                  </a:rPr>
+                  <a:t>해당 장소 주변의 맛집</a:t>
+                </a:r>
+                <a:r>
+                  <a:rPr lang="en-US" altLang="ko-KR" sz="1400" dirty="0">
+                    <a:ln w="0"/>
+                    <a:effectLst>
+                      <a:outerShdw blurRad="38100" dist="19050" dir="2700000" algn="tl" rotWithShape="0">
+                        <a:schemeClr val="dk1">
+                          <a:alpha val="40000"/>
+                        </a:schemeClr>
+                      </a:outerShdw>
+                    </a:effectLst>
+                  </a:rPr>
+                  <a:t>, </a:t>
+                </a:r>
+                <a:r>
+                  <a:rPr lang="ko-KR" altLang="en-US" sz="1400" dirty="0">
+                    <a:ln w="0"/>
+                    <a:effectLst>
+                      <a:outerShdw blurRad="38100" dist="19050" dir="2700000" algn="tl" rotWithShape="0">
+                        <a:schemeClr val="dk1">
+                          <a:alpha val="40000"/>
+                        </a:schemeClr>
+                      </a:outerShdw>
+                    </a:effectLst>
+                  </a:rPr>
+                  <a:t>명소 정보를 확인 해보세요</a:t>
+                </a:r>
+                <a:endParaRPr lang="en-US" altLang="ko-KR" sz="1400" dirty="0">
+                  <a:ln w="0"/>
+                  <a:effectLst>
+                    <a:outerShdw blurRad="38100" dist="19050" dir="2700000" algn="tl" rotWithShape="0">
+                      <a:schemeClr val="dk1">
+                        <a:alpha val="40000"/>
+                      </a:schemeClr>
+                    </a:outerShdw>
+                  </a:effectLst>
+                </a:endParaRPr>
+              </a:p>
+            </p:txBody>
+          </p:sp>
+        </p:grpSp>
+        <p:grpSp>
+          <p:nvGrpSpPr>
+            <p:cNvPr id="9" name="그룹 8">
+              <a:extLst>
+                <a:ext uri="{FF2B5EF4-FFF2-40B4-BE49-F238E27FC236}">
+                  <a16:creationId xmlns:a16="http://schemas.microsoft.com/office/drawing/2014/main" id="{625931B8-7CDD-42CA-9D27-9CB511DC4FE7}"/>
+                </a:ext>
+              </a:extLst>
+            </p:cNvPr>
+            <p:cNvGrpSpPr/>
+            <p:nvPr/>
+          </p:nvGrpSpPr>
+          <p:grpSpPr>
+            <a:xfrm>
+              <a:off x="-5595942" y="6722506"/>
+              <a:ext cx="3580175" cy="635672"/>
+              <a:chOff x="-4903940" y="3592968"/>
+              <a:chExt cx="3580175" cy="635672"/>
+            </a:xfrm>
+          </p:grpSpPr>
+          <p:sp>
+            <p:nvSpPr>
+              <p:cNvPr id="10" name="직사각형 9">
+                <a:extLst>
+                  <a:ext uri="{FF2B5EF4-FFF2-40B4-BE49-F238E27FC236}">
+                    <a16:creationId xmlns:a16="http://schemas.microsoft.com/office/drawing/2014/main" id="{72516694-ABA1-42F6-83A7-E5CE7DD795CD}"/>
+                  </a:ext>
+                </a:extLst>
+              </p:cNvPr>
+              <p:cNvSpPr/>
+              <p:nvPr/>
+            </p:nvSpPr>
+            <p:spPr>
+              <a:xfrm>
+                <a:off x="-4903940" y="3592968"/>
+                <a:ext cx="2890807" cy="371152"/>
+              </a:xfrm>
+              <a:prstGeom prst="rect">
+                <a:avLst/>
+              </a:prstGeom>
+              <a:noFill/>
+            </p:spPr>
+            <p:txBody>
+              <a:bodyPr wrap="square" lIns="48602" tIns="24301" rIns="48602" bIns="24301">
+                <a:spAutoFit/>
+              </a:bodyPr>
+              <a:lstStyle/>
+              <a:p>
+                <a:pPr algn="ctr"/>
+                <a:r>
+                  <a:rPr lang="ko-KR" altLang="en-US" sz="2093" dirty="0">
+                    <a:ln w="0"/>
+                    <a:effectLst>
+                      <a:outerShdw blurRad="38100" dist="19050" dir="2700000" algn="tl" rotWithShape="0">
+                        <a:schemeClr val="dk1">
+                          <a:alpha val="40000"/>
+                        </a:schemeClr>
+                      </a:outerShdw>
+                    </a:effectLst>
+                  </a:rPr>
+                  <a:t>여행 경로를 생성하세요</a:t>
+                </a:r>
+                <a:endParaRPr lang="en-US" altLang="ko-KR" sz="2093" dirty="0">
+                  <a:ln w="0"/>
+                  <a:effectLst>
+                    <a:outerShdw blurRad="38100" dist="19050" dir="2700000" algn="tl" rotWithShape="0">
+                      <a:schemeClr val="dk1">
+                        <a:alpha val="40000"/>
+                      </a:schemeClr>
+                    </a:outerShdw>
+                  </a:effectLst>
+                </a:endParaRPr>
+              </a:p>
+            </p:txBody>
+          </p:sp>
+          <p:sp>
+            <p:nvSpPr>
+              <p:cNvPr id="25" name="직사각형 24">
+                <a:extLst>
+                  <a:ext uri="{FF2B5EF4-FFF2-40B4-BE49-F238E27FC236}">
+                    <a16:creationId xmlns:a16="http://schemas.microsoft.com/office/drawing/2014/main" id="{7B3242E8-1D65-49B2-AE90-390F6A3A2F52}"/>
+                  </a:ext>
+                </a:extLst>
+              </p:cNvPr>
+              <p:cNvSpPr/>
+              <p:nvPr/>
+            </p:nvSpPr>
+            <p:spPr>
+              <a:xfrm>
+                <a:off x="-4903940" y="3964120"/>
+                <a:ext cx="3580175" cy="264520"/>
+              </a:xfrm>
+              <a:prstGeom prst="rect">
+                <a:avLst/>
+              </a:prstGeom>
+              <a:noFill/>
+            </p:spPr>
+            <p:txBody>
+              <a:bodyPr wrap="square" lIns="48602" tIns="24301" rIns="48602" bIns="24301">
+                <a:spAutoFit/>
+              </a:bodyPr>
+              <a:lstStyle/>
+              <a:p>
+                <a:pPr algn="ctr"/>
+                <a:r>
+                  <a:rPr lang="en-US" altLang="ko-KR" sz="1400" dirty="0">
+                    <a:ln w="0"/>
+                    <a:effectLst>
+                      <a:outerShdw blurRad="38100" dist="19050" dir="2700000" algn="tl" rotWithShape="0">
+                        <a:schemeClr val="dk1">
+                          <a:alpha val="40000"/>
+                        </a:schemeClr>
+                      </a:outerShdw>
+                    </a:effectLst>
+                  </a:rPr>
+                  <a:t>-</a:t>
+                </a:r>
+                <a:r>
+                  <a:rPr lang="ko-KR" altLang="en-US" sz="1400" dirty="0">
+                    <a:ln w="0"/>
+                    <a:effectLst>
+                      <a:outerShdw blurRad="38100" dist="19050" dir="2700000" algn="tl" rotWithShape="0">
+                        <a:schemeClr val="dk1">
+                          <a:alpha val="40000"/>
+                        </a:schemeClr>
+                      </a:outerShdw>
+                    </a:effectLst>
+                  </a:rPr>
+                  <a:t>원하는 장소를 포함한 경로를 생성 해보세요</a:t>
+                </a:r>
+                <a:endParaRPr lang="en-US" altLang="ko-KR" sz="1400" dirty="0">
+                  <a:ln w="0"/>
+                  <a:effectLst>
+                    <a:outerShdw blurRad="38100" dist="19050" dir="2700000" algn="tl" rotWithShape="0">
+                      <a:schemeClr val="dk1">
+                        <a:alpha val="40000"/>
+                      </a:schemeClr>
+                    </a:outerShdw>
+                  </a:effectLst>
+                </a:endParaRPr>
+              </a:p>
+            </p:txBody>
+          </p:sp>
+        </p:grpSp>
+      </p:grpSp>
     </p:spTree>
     <p:extLst>
       <p:ext uri="{BB962C8B-B14F-4D97-AF65-F5344CB8AC3E}">
